--- a/presentations/weekly_meetings/2_29_24.pptx
+++ b/presentations/weekly_meetings/2_29_24.pptx
@@ -5,7 +5,7 @@
     <p:sldMasterId id="2147483648" r:id="rId1"/>
   </p:sldMasterIdLst>
   <p:notesMasterIdLst>
-    <p:notesMasterId r:id="rId12"/>
+    <p:notesMasterId r:id="rId13"/>
   </p:notesMasterIdLst>
   <p:sldIdLst>
     <p:sldId id="477" r:id="rId2"/>
@@ -14,10 +14,11 @@
     <p:sldId id="548" r:id="rId5"/>
     <p:sldId id="550" r:id="rId6"/>
     <p:sldId id="551" r:id="rId7"/>
-    <p:sldId id="546" r:id="rId8"/>
-    <p:sldId id="545" r:id="rId9"/>
-    <p:sldId id="541" r:id="rId10"/>
-    <p:sldId id="549" r:id="rId11"/>
+    <p:sldId id="552" r:id="rId8"/>
+    <p:sldId id="546" r:id="rId9"/>
+    <p:sldId id="545" r:id="rId10"/>
+    <p:sldId id="541" r:id="rId11"/>
+    <p:sldId id="549" r:id="rId12"/>
   </p:sldIdLst>
   <p:sldSz cx="12192000" cy="6858000"/>
   <p:notesSz cx="6858000" cy="9144000"/>
@@ -217,7 +218,7 @@
           <a:p>
             <a:fld id="{E933A773-0DCE-3544-BB67-D5FA58DF903C}" type="datetimeFigureOut">
               <a:rPr lang="en-US" smtClean="0"/>
-              <a:t>2/27/24</a:t>
+              <a:t>2/28/24</a:t>
             </a:fld>
             <a:endParaRPr lang="en-US"/>
           </a:p>
@@ -630,6 +631,123 @@
           <a:bodyPr/>
           <a:lstStyle/>
           <a:p>
+            <a:r>
+              <a:rPr lang="en-US" b="0" dirty="0">
+                <a:solidFill>
+                  <a:srgbClr val="CCCCCC"/>
+                </a:solidFill>
+                <a:effectLst/>
+                <a:latin typeface="Menlo" panose="020B0609030804020204" pitchFamily="49" charset="0"/>
+              </a:rPr>
+              <a:t>Basically not sure how useful this will be for cytometry people as it’s 1) in colon tissue, 2) doesn’t replicate super well with other papers (yes it does with same paper though but…)</a:t>
+            </a:r>
+          </a:p>
+        </p:txBody>
+      </p:sp>
+      <p:sp>
+        <p:nvSpPr>
+          <p:cNvPr id="4" name="Slide Number Placeholder 3">
+            <a:extLst>
+              <a:ext uri="{FF2B5EF4-FFF2-40B4-BE49-F238E27FC236}">
+                <a16:creationId xmlns:a16="http://schemas.microsoft.com/office/drawing/2014/main" id="{DEB067F9-0FD1-7604-516A-DED1947EEAD0}"/>
+              </a:ext>
+            </a:extLst>
+          </p:cNvPr>
+          <p:cNvSpPr>
+            <a:spLocks noGrp="1"/>
+          </p:cNvSpPr>
+          <p:nvPr>
+            <p:ph type="sldNum" sz="quarter" idx="5"/>
+          </p:nvPr>
+        </p:nvSpPr>
+        <p:spPr/>
+        <p:txBody>
+          <a:bodyPr/>
+          <a:lstStyle/>
+          <a:p>
+            <a:fld id="{061BAA8C-FDC6-D345-B4E0-3B02449209FB}" type="slidenum">
+              <a:rPr lang="en-US" smtClean="0"/>
+              <a:t>10</a:t>
+            </a:fld>
+            <a:endParaRPr lang="en-US"/>
+          </a:p>
+        </p:txBody>
+      </p:sp>
+    </p:spTree>
+    <p:extLst>
+      <p:ext uri="{BB962C8B-B14F-4D97-AF65-F5344CB8AC3E}">
+        <p14:creationId xmlns:p14="http://schemas.microsoft.com/office/powerpoint/2010/main" val="3709855875"/>
+      </p:ext>
+    </p:extLst>
+  </p:cSld>
+  <p:clrMapOvr>
+    <a:masterClrMapping/>
+  </p:clrMapOvr>
+</p:notes>
+</file>
+
+<file path=ppt/notesSlides/notesSlide11.xml><?xml version="1.0" encoding="utf-8"?>
+<p:notes xmlns:a="http://schemas.openxmlformats.org/drawingml/2006/main" xmlns:r="http://schemas.openxmlformats.org/officeDocument/2006/relationships" xmlns:p="http://schemas.openxmlformats.org/presentationml/2006/main">
+  <p:cSld>
+    <p:spTree>
+      <p:nvGrpSpPr>
+        <p:cNvPr id="1" name="">
+          <a:extLst>
+            <a:ext uri="{FF2B5EF4-FFF2-40B4-BE49-F238E27FC236}">
+              <a16:creationId xmlns:a16="http://schemas.microsoft.com/office/drawing/2014/main" id="{B882F89D-17FD-0FC5-19CB-182B6EB09CA1}"/>
+            </a:ext>
+          </a:extLst>
+        </p:cNvPr>
+        <p:cNvGrpSpPr/>
+        <p:nvPr/>
+      </p:nvGrpSpPr>
+      <p:grpSpPr>
+        <a:xfrm>
+          <a:off x="0" y="0"/>
+          <a:ext cx="0" cy="0"/>
+          <a:chOff x="0" y="0"/>
+          <a:chExt cx="0" cy="0"/>
+        </a:xfrm>
+      </p:grpSpPr>
+      <p:sp>
+        <p:nvSpPr>
+          <p:cNvPr id="2" name="Slide Image Placeholder 1">
+            <a:extLst>
+              <a:ext uri="{FF2B5EF4-FFF2-40B4-BE49-F238E27FC236}">
+                <a16:creationId xmlns:a16="http://schemas.microsoft.com/office/drawing/2014/main" id="{FD9275CE-80C1-7E2D-D835-C8047F6B7D4B}"/>
+              </a:ext>
+            </a:extLst>
+          </p:cNvPr>
+          <p:cNvSpPr>
+            <a:spLocks noGrp="1" noRot="1" noChangeAspect="1"/>
+          </p:cNvSpPr>
+          <p:nvPr>
+            <p:ph type="sldImg"/>
+          </p:nvPr>
+        </p:nvSpPr>
+        <p:spPr/>
+      </p:sp>
+      <p:sp>
+        <p:nvSpPr>
+          <p:cNvPr id="3" name="Notes Placeholder 2">
+            <a:extLst>
+              <a:ext uri="{FF2B5EF4-FFF2-40B4-BE49-F238E27FC236}">
+                <a16:creationId xmlns:a16="http://schemas.microsoft.com/office/drawing/2014/main" id="{6461B3C5-2A2A-F6A4-550B-953E4981A099}"/>
+              </a:ext>
+            </a:extLst>
+          </p:cNvPr>
+          <p:cNvSpPr>
+            <a:spLocks noGrp="1"/>
+          </p:cNvSpPr>
+          <p:nvPr>
+            <p:ph type="body" idx="1"/>
+          </p:nvPr>
+        </p:nvSpPr>
+        <p:spPr/>
+        <p:txBody>
+          <a:bodyPr/>
+          <a:lstStyle/>
+          <a:p>
             <a:endParaRPr lang="en-US" b="0" dirty="0">
               <a:solidFill>
                 <a:srgbClr val="CCCCCC"/>
@@ -663,7 +781,7 @@
           <a:p>
             <a:fld id="{061BAA8C-FDC6-D345-B4E0-3B02449209FB}" type="slidenum">
               <a:rPr lang="en-US" smtClean="0"/>
-              <a:t>10</a:t>
+              <a:t>11</a:t>
             </a:fld>
             <a:endParaRPr lang="en-US"/>
           </a:p>
@@ -834,13 +952,16 @@
           <a:bodyPr/>
           <a:lstStyle/>
           <a:p>
-            <a:endParaRPr lang="en-US" sz="1800" b="0" dirty="0">
-              <a:solidFill>
-                <a:srgbClr val="CCCCCC"/>
-              </a:solidFill>
-              <a:effectLst/>
-              <a:latin typeface="Menlo" panose="020B0609030804020204" pitchFamily="49" charset="0"/>
-            </a:endParaRPr>
+            <a:r>
+              <a:rPr lang="en-US" sz="1800" b="0" dirty="0">
+                <a:solidFill>
+                  <a:srgbClr val="CCCCCC"/>
+                </a:solidFill>
+                <a:effectLst/>
+                <a:latin typeface="Menlo" panose="020B0609030804020204" pitchFamily="49" charset="0"/>
+              </a:rPr>
+              <a:t>Among cohort differences, only ICB drug differences I’d think likely to contribute to batch effects</a:t>
+            </a:r>
           </a:p>
         </p:txBody>
       </p:sp>
@@ -1359,6 +1480,34 @@
           <a:bodyPr/>
           <a:lstStyle/>
           <a:p>
+            <a:pPr marL="0" marR="0" lvl="0" indent="0" algn="l" defTabSz="914400" rtl="0" eaLnBrk="1" fontAlgn="auto" latinLnBrk="0" hangingPunct="1">
+              <a:lnSpc>
+                <a:spcPct val="100000"/>
+              </a:lnSpc>
+              <a:spcBef>
+                <a:spcPts val="0"/>
+              </a:spcBef>
+              <a:spcAft>
+                <a:spcPts val="0"/>
+              </a:spcAft>
+              <a:buClrTx/>
+              <a:buSzTx/>
+              <a:buFontTx/>
+              <a:buNone/>
+              <a:tabLst/>
+              <a:defRPr/>
+            </a:pPr>
+            <a:r>
+              <a:rPr lang="en-US" dirty="0"/>
+              <a:t>Don’t see if </a:t>
+            </a:r>
+            <a:r>
+              <a:rPr lang="en-US" dirty="0" err="1"/>
+              <a:t>downsampled</a:t>
+            </a:r>
+            <a:endParaRPr lang="en-US" dirty="0"/>
+          </a:p>
+          <a:p>
             <a:endParaRPr lang="en-US" b="0" dirty="0">
               <a:solidFill>
                 <a:srgbClr val="CCCCCC"/>
@@ -1419,7 +1568,7 @@
         <p:cNvPr id="1" name="">
           <a:extLst>
             <a:ext uri="{FF2B5EF4-FFF2-40B4-BE49-F238E27FC236}">
-              <a16:creationId xmlns:a16="http://schemas.microsoft.com/office/drawing/2014/main" id="{3415C166-0F50-E043-8950-9F266C4565AE}"/>
+              <a16:creationId xmlns:a16="http://schemas.microsoft.com/office/drawing/2014/main" id="{B882F89D-17FD-0FC5-19CB-182B6EB09CA1}"/>
             </a:ext>
           </a:extLst>
         </p:cNvPr>
@@ -1439,7 +1588,7 @@
           <p:cNvPr id="2" name="Slide Image Placeholder 1">
             <a:extLst>
               <a:ext uri="{FF2B5EF4-FFF2-40B4-BE49-F238E27FC236}">
-                <a16:creationId xmlns:a16="http://schemas.microsoft.com/office/drawing/2014/main" id="{1E497E09-6D11-D0BA-D2D1-5B08FB997731}"/>
+                <a16:creationId xmlns:a16="http://schemas.microsoft.com/office/drawing/2014/main" id="{FD9275CE-80C1-7E2D-D835-C8047F6B7D4B}"/>
               </a:ext>
             </a:extLst>
           </p:cNvPr>
@@ -1457,7 +1606,7 @@
           <p:cNvPr id="3" name="Notes Placeholder 2">
             <a:extLst>
               <a:ext uri="{FF2B5EF4-FFF2-40B4-BE49-F238E27FC236}">
-                <a16:creationId xmlns:a16="http://schemas.microsoft.com/office/drawing/2014/main" id="{9336C4A5-58A4-D062-54A6-1D67A978E992}"/>
+                <a16:creationId xmlns:a16="http://schemas.microsoft.com/office/drawing/2014/main" id="{6461B3C5-2A2A-F6A4-550B-953E4981A099}"/>
               </a:ext>
             </a:extLst>
           </p:cNvPr>
@@ -1473,13 +1622,39 @@
           <a:bodyPr/>
           <a:lstStyle/>
           <a:p>
-            <a:endParaRPr lang="en-US" b="0" dirty="0">
-              <a:solidFill>
-                <a:srgbClr val="CCCCCC"/>
-              </a:solidFill>
-              <a:effectLst/>
-              <a:latin typeface="Menlo" panose="020B0609030804020204" pitchFamily="49" charset="0"/>
-            </a:endParaRPr>
+            <a:pPr marL="0" marR="0" lvl="0" indent="0" algn="l" defTabSz="914400" rtl="0" eaLnBrk="1" fontAlgn="auto" latinLnBrk="0" hangingPunct="1">
+              <a:lnSpc>
+                <a:spcPct val="100000"/>
+              </a:lnSpc>
+              <a:spcBef>
+                <a:spcPts val="0"/>
+              </a:spcBef>
+              <a:spcAft>
+                <a:spcPts val="0"/>
+              </a:spcAft>
+              <a:buClrTx/>
+              <a:buSzTx/>
+              <a:buFontTx/>
+              <a:buNone/>
+              <a:tabLst/>
+              <a:defRPr/>
+            </a:pPr>
+            <a:r>
+              <a:rPr lang="en-US" dirty="0" err="1"/>
+              <a:t>Downsampled</a:t>
+            </a:r>
+            <a:r>
+              <a:rPr lang="en-US" dirty="0"/>
+              <a:t> here: threw out some low count samples to avoid </a:t>
+            </a:r>
+            <a:r>
+              <a:rPr lang="en-US" dirty="0" err="1"/>
+              <a:t>downsampling</a:t>
+            </a:r>
+            <a:r>
+              <a:rPr lang="en-US" dirty="0"/>
+              <a:t> all small samples to that small count</a:t>
+            </a:r>
           </a:p>
         </p:txBody>
       </p:sp>
@@ -1488,7 +1663,7 @@
           <p:cNvPr id="4" name="Slide Number Placeholder 3">
             <a:extLst>
               <a:ext uri="{FF2B5EF4-FFF2-40B4-BE49-F238E27FC236}">
-                <a16:creationId xmlns:a16="http://schemas.microsoft.com/office/drawing/2014/main" id="{9F3FD3E1-ECA8-7789-76B9-A150DB6276EE}"/>
+                <a16:creationId xmlns:a16="http://schemas.microsoft.com/office/drawing/2014/main" id="{DEB067F9-0FD1-7604-516A-DED1947EEAD0}"/>
               </a:ext>
             </a:extLst>
           </p:cNvPr>
@@ -1515,7 +1690,7 @@
     </p:spTree>
     <p:extLst>
       <p:ext uri="{BB962C8B-B14F-4D97-AF65-F5344CB8AC3E}">
-        <p14:creationId xmlns:p14="http://schemas.microsoft.com/office/powerpoint/2010/main" val="4160629577"/>
+        <p14:creationId xmlns:p14="http://schemas.microsoft.com/office/powerpoint/2010/main" val="4082934267"/>
       </p:ext>
     </p:extLst>
   </p:cSld>
@@ -1629,7 +1804,7 @@
     </p:spTree>
     <p:extLst>
       <p:ext uri="{BB962C8B-B14F-4D97-AF65-F5344CB8AC3E}">
-        <p14:creationId xmlns:p14="http://schemas.microsoft.com/office/powerpoint/2010/main" val="4249981219"/>
+        <p14:creationId xmlns:p14="http://schemas.microsoft.com/office/powerpoint/2010/main" val="4160629577"/>
       </p:ext>
     </p:extLst>
   </p:cSld>
@@ -1647,7 +1822,7 @@
         <p:cNvPr id="1" name="">
           <a:extLst>
             <a:ext uri="{FF2B5EF4-FFF2-40B4-BE49-F238E27FC236}">
-              <a16:creationId xmlns:a16="http://schemas.microsoft.com/office/drawing/2014/main" id="{B882F89D-17FD-0FC5-19CB-182B6EB09CA1}"/>
+              <a16:creationId xmlns:a16="http://schemas.microsoft.com/office/drawing/2014/main" id="{3415C166-0F50-E043-8950-9F266C4565AE}"/>
             </a:ext>
           </a:extLst>
         </p:cNvPr>
@@ -1667,7 +1842,7 @@
           <p:cNvPr id="2" name="Slide Image Placeholder 1">
             <a:extLst>
               <a:ext uri="{FF2B5EF4-FFF2-40B4-BE49-F238E27FC236}">
-                <a16:creationId xmlns:a16="http://schemas.microsoft.com/office/drawing/2014/main" id="{FD9275CE-80C1-7E2D-D835-C8047F6B7D4B}"/>
+                <a16:creationId xmlns:a16="http://schemas.microsoft.com/office/drawing/2014/main" id="{1E497E09-6D11-D0BA-D2D1-5B08FB997731}"/>
               </a:ext>
             </a:extLst>
           </p:cNvPr>
@@ -1685,7 +1860,7 @@
           <p:cNvPr id="3" name="Notes Placeholder 2">
             <a:extLst>
               <a:ext uri="{FF2B5EF4-FFF2-40B4-BE49-F238E27FC236}">
-                <a16:creationId xmlns:a16="http://schemas.microsoft.com/office/drawing/2014/main" id="{6461B3C5-2A2A-F6A4-550B-953E4981A099}"/>
+                <a16:creationId xmlns:a16="http://schemas.microsoft.com/office/drawing/2014/main" id="{9336C4A5-58A4-D062-54A6-1D67A978E992}"/>
               </a:ext>
             </a:extLst>
           </p:cNvPr>
@@ -1702,15 +1877,16 @@
           <a:lstStyle/>
           <a:p>
             <a:r>
-              <a:rPr lang="en-US" b="0" dirty="0">
-                <a:solidFill>
-                  <a:srgbClr val="CCCCCC"/>
-                </a:solidFill>
-                <a:effectLst/>
-                <a:latin typeface="Menlo" panose="020B0609030804020204" pitchFamily="49" charset="0"/>
-              </a:rPr>
-              <a:t>Basically not sure how useful this will be for cytometry people as it’s 1) in colon tissue, 2) doesn’t replicate super well with other papers (yes it does with same paper though but…)</a:t>
-            </a:r>
+              <a:rPr lang="en-US" dirty="0"/>
+              <a:t>Clusters may be too small…</a:t>
+            </a:r>
+            <a:endParaRPr lang="en-US" b="0" dirty="0">
+              <a:solidFill>
+                <a:srgbClr val="CCCCCC"/>
+              </a:solidFill>
+              <a:effectLst/>
+              <a:latin typeface="Menlo" panose="020B0609030804020204" pitchFamily="49" charset="0"/>
+            </a:endParaRPr>
           </a:p>
         </p:txBody>
       </p:sp>
@@ -1719,7 +1895,7 @@
           <p:cNvPr id="4" name="Slide Number Placeholder 3">
             <a:extLst>
               <a:ext uri="{FF2B5EF4-FFF2-40B4-BE49-F238E27FC236}">
-                <a16:creationId xmlns:a16="http://schemas.microsoft.com/office/drawing/2014/main" id="{DEB067F9-0FD1-7604-516A-DED1947EEAD0}"/>
+                <a16:creationId xmlns:a16="http://schemas.microsoft.com/office/drawing/2014/main" id="{9F3FD3E1-ECA8-7789-76B9-A150DB6276EE}"/>
               </a:ext>
             </a:extLst>
           </p:cNvPr>
@@ -1746,7 +1922,7 @@
     </p:spTree>
     <p:extLst>
       <p:ext uri="{BB962C8B-B14F-4D97-AF65-F5344CB8AC3E}">
-        <p14:creationId xmlns:p14="http://schemas.microsoft.com/office/powerpoint/2010/main" val="3709855875"/>
+        <p14:creationId xmlns:p14="http://schemas.microsoft.com/office/powerpoint/2010/main" val="4249981219"/>
       </p:ext>
     </p:extLst>
   </p:cSld>
@@ -1903,7 +2079,7 @@
           <a:p>
             <a:fld id="{80FC6068-BAFB-FC44-B9D8-F4B3BB105DE6}" type="datetimeFigureOut">
               <a:rPr lang="en-US" smtClean="0"/>
-              <a:t>2/27/24</a:t>
+              <a:t>2/28/24</a:t>
             </a:fld>
             <a:endParaRPr lang="en-US"/>
           </a:p>
@@ -2101,7 +2277,7 @@
           <a:p>
             <a:fld id="{80FC6068-BAFB-FC44-B9D8-F4B3BB105DE6}" type="datetimeFigureOut">
               <a:rPr lang="en-US" smtClean="0"/>
-              <a:t>2/27/24</a:t>
+              <a:t>2/28/24</a:t>
             </a:fld>
             <a:endParaRPr lang="en-US"/>
           </a:p>
@@ -2309,7 +2485,7 @@
           <a:p>
             <a:fld id="{80FC6068-BAFB-FC44-B9D8-F4B3BB105DE6}" type="datetimeFigureOut">
               <a:rPr lang="en-US" smtClean="0"/>
-              <a:t>2/27/24</a:t>
+              <a:t>2/28/24</a:t>
             </a:fld>
             <a:endParaRPr lang="en-US"/>
           </a:p>
@@ -2513,7 +2689,7 @@
           <a:p>
             <a:fld id="{80FC6068-BAFB-FC44-B9D8-F4B3BB105DE6}" type="datetimeFigureOut">
               <a:rPr lang="en-US" smtClean="0"/>
-              <a:t>2/27/24</a:t>
+              <a:t>2/28/24</a:t>
             </a:fld>
             <a:endParaRPr lang="en-US"/>
           </a:p>
@@ -2804,7 +2980,7 @@
           <a:p>
             <a:fld id="{80FC6068-BAFB-FC44-B9D8-F4B3BB105DE6}" type="datetimeFigureOut">
               <a:rPr lang="en-US" smtClean="0"/>
-              <a:t>2/27/24</a:t>
+              <a:t>2/28/24</a:t>
             </a:fld>
             <a:endParaRPr lang="en-US"/>
           </a:p>
@@ -3069,7 +3245,7 @@
           <a:p>
             <a:fld id="{80FC6068-BAFB-FC44-B9D8-F4B3BB105DE6}" type="datetimeFigureOut">
               <a:rPr lang="en-US" smtClean="0"/>
-              <a:t>2/27/24</a:t>
+              <a:t>2/28/24</a:t>
             </a:fld>
             <a:endParaRPr lang="en-US"/>
           </a:p>
@@ -3481,7 +3657,7 @@
           <a:p>
             <a:fld id="{80FC6068-BAFB-FC44-B9D8-F4B3BB105DE6}" type="datetimeFigureOut">
               <a:rPr lang="en-US" smtClean="0"/>
-              <a:t>2/27/24</a:t>
+              <a:t>2/28/24</a:t>
             </a:fld>
             <a:endParaRPr lang="en-US"/>
           </a:p>
@@ -3622,7 +3798,7 @@
           <a:p>
             <a:fld id="{80FC6068-BAFB-FC44-B9D8-F4B3BB105DE6}" type="datetimeFigureOut">
               <a:rPr lang="en-US" smtClean="0"/>
-              <a:t>2/27/24</a:t>
+              <a:t>2/28/24</a:t>
             </a:fld>
             <a:endParaRPr lang="en-US"/>
           </a:p>
@@ -3735,7 +3911,7 @@
           <a:p>
             <a:fld id="{80FC6068-BAFB-FC44-B9D8-F4B3BB105DE6}" type="datetimeFigureOut">
               <a:rPr lang="en-US" smtClean="0"/>
-              <a:t>2/27/24</a:t>
+              <a:t>2/28/24</a:t>
             </a:fld>
             <a:endParaRPr lang="en-US"/>
           </a:p>
@@ -4046,7 +4222,7 @@
           <a:p>
             <a:fld id="{80FC6068-BAFB-FC44-B9D8-F4B3BB105DE6}" type="datetimeFigureOut">
               <a:rPr lang="en-US" smtClean="0"/>
-              <a:t>2/27/24</a:t>
+              <a:t>2/28/24</a:t>
             </a:fld>
             <a:endParaRPr lang="en-US"/>
           </a:p>
@@ -4334,7 +4510,7 @@
           <a:p>
             <a:fld id="{80FC6068-BAFB-FC44-B9D8-F4B3BB105DE6}" type="datetimeFigureOut">
               <a:rPr lang="en-US" smtClean="0"/>
-              <a:t>2/27/24</a:t>
+              <a:t>2/28/24</a:t>
             </a:fld>
             <a:endParaRPr lang="en-US"/>
           </a:p>
@@ -4575,7 +4751,7 @@
           <a:p>
             <a:fld id="{80FC6068-BAFB-FC44-B9D8-F4B3BB105DE6}" type="datetimeFigureOut">
               <a:rPr lang="en-US" smtClean="0"/>
-              <a:t>2/27/24</a:t>
+              <a:t>2/28/24</a:t>
             </a:fld>
             <a:endParaRPr lang="en-US"/>
           </a:p>
@@ -5092,6 +5268,36 @@
           <a:chExt cx="0" cy="0"/>
         </a:xfrm>
       </p:grpSpPr>
+      <p:pic>
+        <p:nvPicPr>
+          <p:cNvPr id="15" name="Picture 14">
+            <a:extLst>
+              <a:ext uri="{FF2B5EF4-FFF2-40B4-BE49-F238E27FC236}">
+                <a16:creationId xmlns:a16="http://schemas.microsoft.com/office/drawing/2014/main" id="{C1F6F123-A5AF-4F23-47C9-A3FD15AC8EFF}"/>
+              </a:ext>
+            </a:extLst>
+          </p:cNvPr>
+          <p:cNvPicPr>
+            <a:picLocks noChangeAspect="1"/>
+          </p:cNvPicPr>
+          <p:nvPr/>
+        </p:nvPicPr>
+        <p:blipFill>
+          <a:blip r:embed="rId3"/>
+          <a:stretch>
+            <a:fillRect/>
+          </a:stretch>
+        </p:blipFill>
+        <p:spPr>
+          <a:xfrm>
+            <a:off x="6130904" y="2772633"/>
+            <a:ext cx="5993802" cy="3715456"/>
+          </a:xfrm>
+          <a:prstGeom prst="rect">
+            <a:avLst/>
+          </a:prstGeom>
+        </p:spPr>
+      </p:pic>
       <p:sp>
         <p:nvSpPr>
           <p:cNvPr id="2" name="Title 1">
@@ -5121,10 +5327,659 @@
           <a:lstStyle/>
           <a:p>
             <a:r>
+              <a:rPr lang="en-US" dirty="0"/>
+              <a:t>Old cell type abundance analysis</a:t>
+            </a:r>
+          </a:p>
+        </p:txBody>
+      </p:sp>
+      <p:sp>
+        <p:nvSpPr>
+          <p:cNvPr id="12" name="TextBox 11">
+            <a:extLst>
+              <a:ext uri="{FF2B5EF4-FFF2-40B4-BE49-F238E27FC236}">
+                <a16:creationId xmlns:a16="http://schemas.microsoft.com/office/drawing/2014/main" id="{11FF9590-465C-3BB2-95C2-B8FA92061E19}"/>
+              </a:ext>
+            </a:extLst>
+          </p:cNvPr>
+          <p:cNvSpPr txBox="1"/>
+          <p:nvPr/>
+        </p:nvSpPr>
+        <p:spPr>
+          <a:xfrm>
+            <a:off x="4065351" y="6509491"/>
+            <a:ext cx="3868367" cy="369332"/>
+          </a:xfrm>
+          <a:prstGeom prst="rect">
+            <a:avLst/>
+          </a:prstGeom>
+          <a:noFill/>
+        </p:spPr>
+        <p:txBody>
+          <a:bodyPr wrap="none" rtlCol="0">
+            <a:spAutoFit/>
+          </a:bodyPr>
+          <a:lstStyle/>
+          <a:p>
+            <a:r>
+              <a:rPr lang="en-US" dirty="0"/>
+              <a:t>Wilcoxon rank sum test.</a:t>
+            </a:r>
+            <a:r>
+              <a:rPr lang="en-US" dirty="0">
+                <a:latin typeface="Calibri" panose="020F0502020204030204" pitchFamily="34" charset="0"/>
+                <a:cs typeface="Times New Roman" panose="02020603050405020304" pitchFamily="18" charset="0"/>
+              </a:rPr>
+              <a:t> </a:t>
+            </a:r>
+            <a:r>
+              <a:rPr lang="en-US" sz="1800" dirty="0">
+                <a:effectLst/>
+                <a:latin typeface="Calibri" panose="020F0502020204030204" pitchFamily="34" charset="0"/>
+                <a:ea typeface="Calibri" panose="020F0502020204030204" pitchFamily="34" charset="0"/>
+                <a:cs typeface="Times New Roman" panose="02020603050405020304" pitchFamily="18" charset="0"/>
+              </a:rPr>
+              <a:t>**, </a:t>
+            </a:r>
+            <a:r>
+              <a:rPr lang="en-US" sz="1800" dirty="0" err="1">
+                <a:effectLst/>
+                <a:latin typeface="Calibri" panose="020F0502020204030204" pitchFamily="34" charset="0"/>
+                <a:ea typeface="Calibri" panose="020F0502020204030204" pitchFamily="34" charset="0"/>
+                <a:cs typeface="Times New Roman" panose="02020603050405020304" pitchFamily="18" charset="0"/>
+              </a:rPr>
+              <a:t>padj</a:t>
+            </a:r>
+            <a:r>
+              <a:rPr lang="en-US" sz="1800" dirty="0">
+                <a:effectLst/>
+                <a:latin typeface="Calibri" panose="020F0502020204030204" pitchFamily="34" charset="0"/>
+                <a:ea typeface="Calibri" panose="020F0502020204030204" pitchFamily="34" charset="0"/>
+                <a:cs typeface="Times New Roman" panose="02020603050405020304" pitchFamily="18" charset="0"/>
+              </a:rPr>
+              <a:t> &lt; 1e-2</a:t>
+            </a:r>
+            <a:endParaRPr lang="en-US" b="0" i="0" u="none" strike="noStrike" dirty="0">
+              <a:solidFill>
+                <a:srgbClr val="212121"/>
+              </a:solidFill>
+              <a:effectLst/>
+              <a:latin typeface="Cambria" panose="02040503050406030204" pitchFamily="18" charset="0"/>
+            </a:endParaRPr>
+          </a:p>
+        </p:txBody>
+      </p:sp>
+      <p:sp>
+        <p:nvSpPr>
+          <p:cNvPr id="17" name="TextBox 16">
+            <a:extLst>
+              <a:ext uri="{FF2B5EF4-FFF2-40B4-BE49-F238E27FC236}">
+                <a16:creationId xmlns:a16="http://schemas.microsoft.com/office/drawing/2014/main" id="{352C593B-52B4-968D-B4DE-2E71F1A33FFC}"/>
+              </a:ext>
+            </a:extLst>
+          </p:cNvPr>
+          <p:cNvSpPr txBox="1"/>
+          <p:nvPr/>
+        </p:nvSpPr>
+        <p:spPr>
+          <a:xfrm>
+            <a:off x="7488578" y="3396843"/>
+            <a:ext cx="787400" cy="369332"/>
+          </a:xfrm>
+          <a:prstGeom prst="rect">
+            <a:avLst/>
+          </a:prstGeom>
+          <a:noFill/>
+        </p:spPr>
+        <p:txBody>
+          <a:bodyPr wrap="square" rtlCol="0">
+            <a:spAutoFit/>
+          </a:bodyPr>
+          <a:lstStyle/>
+          <a:p>
+            <a:r>
+              <a:rPr lang="en-US" dirty="0"/>
+              <a:t>**</a:t>
+            </a:r>
+          </a:p>
+        </p:txBody>
+      </p:sp>
+      <p:sp>
+        <p:nvSpPr>
+          <p:cNvPr id="3" name="TextBox 2">
+            <a:extLst>
+              <a:ext uri="{FF2B5EF4-FFF2-40B4-BE49-F238E27FC236}">
+                <a16:creationId xmlns:a16="http://schemas.microsoft.com/office/drawing/2014/main" id="{2225ECFA-D9A6-C55D-622D-3EC57CB08665}"/>
+              </a:ext>
+            </a:extLst>
+          </p:cNvPr>
+          <p:cNvSpPr txBox="1"/>
+          <p:nvPr/>
+        </p:nvSpPr>
+        <p:spPr>
+          <a:xfrm rot="16200000">
+            <a:off x="7397980" y="2797137"/>
+            <a:ext cx="599264" cy="369332"/>
+          </a:xfrm>
+          <a:prstGeom prst="rect">
+            <a:avLst/>
+          </a:prstGeom>
+          <a:noFill/>
+        </p:spPr>
+        <p:txBody>
+          <a:bodyPr wrap="square" rtlCol="0">
+            <a:spAutoFit/>
+          </a:bodyPr>
+          <a:lstStyle/>
+          <a:p>
+            <a:r>
+              <a:rPr lang="en-US" dirty="0">
+                <a:solidFill>
+                  <a:srgbClr val="00B050"/>
+                </a:solidFill>
+                <a:sym typeface="Wingdings" pitchFamily="2" charset="2"/>
+              </a:rPr>
+              <a:t></a:t>
+            </a:r>
+            <a:endParaRPr lang="en-US" dirty="0">
+              <a:solidFill>
+                <a:srgbClr val="00B050"/>
+              </a:solidFill>
+            </a:endParaRPr>
+          </a:p>
+        </p:txBody>
+      </p:sp>
+      <p:sp>
+        <p:nvSpPr>
+          <p:cNvPr id="4" name="TextBox 3">
+            <a:extLst>
+              <a:ext uri="{FF2B5EF4-FFF2-40B4-BE49-F238E27FC236}">
+                <a16:creationId xmlns:a16="http://schemas.microsoft.com/office/drawing/2014/main" id="{84518640-5757-5DDA-8887-DB0E361D4713}"/>
+              </a:ext>
+            </a:extLst>
+          </p:cNvPr>
+          <p:cNvSpPr txBox="1"/>
+          <p:nvPr/>
+        </p:nvSpPr>
+        <p:spPr>
+          <a:xfrm rot="5400000">
+            <a:off x="8544687" y="3038476"/>
+            <a:ext cx="599268" cy="369332"/>
+          </a:xfrm>
+          <a:prstGeom prst="rect">
+            <a:avLst/>
+          </a:prstGeom>
+          <a:noFill/>
+        </p:spPr>
+        <p:txBody>
+          <a:bodyPr wrap="square" rtlCol="0">
+            <a:spAutoFit/>
+          </a:bodyPr>
+          <a:lstStyle/>
+          <a:p>
+            <a:r>
+              <a:rPr lang="en-US" dirty="0">
+                <a:solidFill>
+                  <a:srgbClr val="FF0000"/>
+                </a:solidFill>
+                <a:sym typeface="Wingdings" pitchFamily="2" charset="2"/>
+              </a:rPr>
+              <a:t></a:t>
+            </a:r>
+            <a:endParaRPr lang="en-US" dirty="0">
+              <a:solidFill>
+                <a:srgbClr val="FF0000"/>
+              </a:solidFill>
+            </a:endParaRPr>
+          </a:p>
+        </p:txBody>
+      </p:sp>
+      <p:sp>
+        <p:nvSpPr>
+          <p:cNvPr id="5" name="TextBox 4">
+            <a:extLst>
+              <a:ext uri="{FF2B5EF4-FFF2-40B4-BE49-F238E27FC236}">
+                <a16:creationId xmlns:a16="http://schemas.microsoft.com/office/drawing/2014/main" id="{C78D2593-25BA-0BFD-ECFC-F9D3988B710A}"/>
+              </a:ext>
+            </a:extLst>
+          </p:cNvPr>
+          <p:cNvSpPr txBox="1"/>
+          <p:nvPr/>
+        </p:nvSpPr>
+        <p:spPr>
+          <a:xfrm rot="16200000">
+            <a:off x="9278819" y="2832759"/>
+            <a:ext cx="599264" cy="369332"/>
+          </a:xfrm>
+          <a:prstGeom prst="rect">
+            <a:avLst/>
+          </a:prstGeom>
+          <a:noFill/>
+        </p:spPr>
+        <p:txBody>
+          <a:bodyPr wrap="square" rtlCol="0">
+            <a:spAutoFit/>
+          </a:bodyPr>
+          <a:lstStyle/>
+          <a:p>
+            <a:r>
+              <a:rPr lang="en-US" dirty="0">
+                <a:solidFill>
+                  <a:srgbClr val="00B050"/>
+                </a:solidFill>
+                <a:sym typeface="Wingdings" pitchFamily="2" charset="2"/>
+              </a:rPr>
+              <a:t></a:t>
+            </a:r>
+            <a:endParaRPr lang="en-US" dirty="0">
+              <a:solidFill>
+                <a:srgbClr val="00B050"/>
+              </a:solidFill>
+            </a:endParaRPr>
+          </a:p>
+        </p:txBody>
+      </p:sp>
+      <p:sp>
+        <p:nvSpPr>
+          <p:cNvPr id="8" name="TextBox 7">
+            <a:extLst>
+              <a:ext uri="{FF2B5EF4-FFF2-40B4-BE49-F238E27FC236}">
+                <a16:creationId xmlns:a16="http://schemas.microsoft.com/office/drawing/2014/main" id="{6E828A1E-243A-8A19-1E50-9AE0C05DC209}"/>
+              </a:ext>
+            </a:extLst>
+          </p:cNvPr>
+          <p:cNvSpPr txBox="1"/>
+          <p:nvPr/>
+        </p:nvSpPr>
+        <p:spPr>
+          <a:xfrm rot="5400000">
+            <a:off x="10459233" y="3038476"/>
+            <a:ext cx="599268" cy="369332"/>
+          </a:xfrm>
+          <a:prstGeom prst="rect">
+            <a:avLst/>
+          </a:prstGeom>
+          <a:noFill/>
+        </p:spPr>
+        <p:txBody>
+          <a:bodyPr wrap="square" rtlCol="0">
+            <a:spAutoFit/>
+          </a:bodyPr>
+          <a:lstStyle/>
+          <a:p>
+            <a:r>
+              <a:rPr lang="en-US" dirty="0">
+                <a:solidFill>
+                  <a:srgbClr val="FF0000"/>
+                </a:solidFill>
+                <a:sym typeface="Wingdings" pitchFamily="2" charset="2"/>
+              </a:rPr>
+              <a:t></a:t>
+            </a:r>
+            <a:endParaRPr lang="en-US" dirty="0">
+              <a:solidFill>
+                <a:srgbClr val="FF0000"/>
+              </a:solidFill>
+            </a:endParaRPr>
+          </a:p>
+        </p:txBody>
+      </p:sp>
+      <p:sp>
+        <p:nvSpPr>
+          <p:cNvPr id="9" name="TextBox 8">
+            <a:extLst>
+              <a:ext uri="{FF2B5EF4-FFF2-40B4-BE49-F238E27FC236}">
+                <a16:creationId xmlns:a16="http://schemas.microsoft.com/office/drawing/2014/main" id="{5BC088F3-6D0A-E382-C6D6-3E637CCB940D}"/>
+              </a:ext>
+            </a:extLst>
+          </p:cNvPr>
+          <p:cNvSpPr txBox="1"/>
+          <p:nvPr/>
+        </p:nvSpPr>
+        <p:spPr>
+          <a:xfrm rot="16200000">
+            <a:off x="8836046" y="1528906"/>
+            <a:ext cx="599264" cy="369332"/>
+          </a:xfrm>
+          <a:prstGeom prst="rect">
+            <a:avLst/>
+          </a:prstGeom>
+          <a:noFill/>
+        </p:spPr>
+        <p:txBody>
+          <a:bodyPr wrap="square" rtlCol="0">
+            <a:spAutoFit/>
+          </a:bodyPr>
+          <a:lstStyle/>
+          <a:p>
+            <a:r>
+              <a:rPr lang="en-US" dirty="0">
+                <a:solidFill>
+                  <a:srgbClr val="00B050"/>
+                </a:solidFill>
+                <a:sym typeface="Wingdings" pitchFamily="2" charset="2"/>
+              </a:rPr>
+              <a:t></a:t>
+            </a:r>
+            <a:endParaRPr lang="en-US" dirty="0">
+              <a:solidFill>
+                <a:srgbClr val="00B050"/>
+              </a:solidFill>
+            </a:endParaRPr>
+          </a:p>
+        </p:txBody>
+      </p:sp>
+      <p:sp>
+        <p:nvSpPr>
+          <p:cNvPr id="11" name="TextBox 10">
+            <a:extLst>
+              <a:ext uri="{FF2B5EF4-FFF2-40B4-BE49-F238E27FC236}">
+                <a16:creationId xmlns:a16="http://schemas.microsoft.com/office/drawing/2014/main" id="{A89A1090-8AC4-97BF-21E8-295AD32DC030}"/>
+              </a:ext>
+            </a:extLst>
+          </p:cNvPr>
+          <p:cNvSpPr txBox="1"/>
+          <p:nvPr/>
+        </p:nvSpPr>
+        <p:spPr>
+          <a:xfrm rot="5400000">
+            <a:off x="8836044" y="2067310"/>
+            <a:ext cx="599268" cy="369332"/>
+          </a:xfrm>
+          <a:prstGeom prst="rect">
+            <a:avLst/>
+          </a:prstGeom>
+          <a:noFill/>
+        </p:spPr>
+        <p:txBody>
+          <a:bodyPr wrap="square" rtlCol="0">
+            <a:spAutoFit/>
+          </a:bodyPr>
+          <a:lstStyle/>
+          <a:p>
+            <a:r>
+              <a:rPr lang="en-US" dirty="0">
+                <a:solidFill>
+                  <a:srgbClr val="FF0000"/>
+                </a:solidFill>
+                <a:sym typeface="Wingdings" pitchFamily="2" charset="2"/>
+              </a:rPr>
+              <a:t></a:t>
+            </a:r>
+            <a:endParaRPr lang="en-US" dirty="0">
+              <a:solidFill>
+                <a:srgbClr val="FF0000"/>
+              </a:solidFill>
+            </a:endParaRPr>
+          </a:p>
+        </p:txBody>
+      </p:sp>
+      <p:sp>
+        <p:nvSpPr>
+          <p:cNvPr id="13" name="TextBox 12">
+            <a:extLst>
+              <a:ext uri="{FF2B5EF4-FFF2-40B4-BE49-F238E27FC236}">
+                <a16:creationId xmlns:a16="http://schemas.microsoft.com/office/drawing/2014/main" id="{D004E798-324A-8390-390A-0C66AC138122}"/>
+              </a:ext>
+            </a:extLst>
+          </p:cNvPr>
+          <p:cNvSpPr txBox="1"/>
+          <p:nvPr/>
+        </p:nvSpPr>
+        <p:spPr>
+          <a:xfrm>
+            <a:off x="9166280" y="1620817"/>
+            <a:ext cx="2507083" cy="369332"/>
+          </a:xfrm>
+          <a:prstGeom prst="rect">
+            <a:avLst/>
+          </a:prstGeom>
+          <a:noFill/>
+        </p:spPr>
+        <p:txBody>
+          <a:bodyPr wrap="square" rtlCol="0">
+            <a:spAutoFit/>
+          </a:bodyPr>
+          <a:lstStyle/>
+          <a:p>
+            <a:r>
+              <a:rPr lang="en-US" dirty="0"/>
+              <a:t>: up in their analysis</a:t>
+            </a:r>
+          </a:p>
+        </p:txBody>
+      </p:sp>
+      <p:sp>
+        <p:nvSpPr>
+          <p:cNvPr id="14" name="TextBox 13">
+            <a:extLst>
+              <a:ext uri="{FF2B5EF4-FFF2-40B4-BE49-F238E27FC236}">
+                <a16:creationId xmlns:a16="http://schemas.microsoft.com/office/drawing/2014/main" id="{CF008D7C-1D66-0E75-7294-B48BE3A3725C}"/>
+              </a:ext>
+            </a:extLst>
+          </p:cNvPr>
+          <p:cNvSpPr txBox="1"/>
+          <p:nvPr/>
+        </p:nvSpPr>
+        <p:spPr>
+          <a:xfrm>
+            <a:off x="9177431" y="1973516"/>
+            <a:ext cx="2507083" cy="369332"/>
+          </a:xfrm>
+          <a:prstGeom prst="rect">
+            <a:avLst/>
+          </a:prstGeom>
+          <a:noFill/>
+        </p:spPr>
+        <p:txBody>
+          <a:bodyPr wrap="square" rtlCol="0">
+            <a:spAutoFit/>
+          </a:bodyPr>
+          <a:lstStyle/>
+          <a:p>
+            <a:r>
+              <a:rPr lang="en-US" dirty="0"/>
+              <a:t>: down in their analysis</a:t>
+            </a:r>
+          </a:p>
+        </p:txBody>
+      </p:sp>
+      <p:sp>
+        <p:nvSpPr>
+          <p:cNvPr id="18" name="TextBox 17">
+            <a:extLst>
+              <a:ext uri="{FF2B5EF4-FFF2-40B4-BE49-F238E27FC236}">
+                <a16:creationId xmlns:a16="http://schemas.microsoft.com/office/drawing/2014/main" id="{663E0D6D-EAC4-0895-568A-EC9CD943E6EE}"/>
+              </a:ext>
+            </a:extLst>
+          </p:cNvPr>
+          <p:cNvSpPr txBox="1"/>
+          <p:nvPr/>
+        </p:nvSpPr>
+        <p:spPr>
+          <a:xfrm>
+            <a:off x="451624" y="2342634"/>
+            <a:ext cx="6099716" cy="369332"/>
+          </a:xfrm>
+          <a:prstGeom prst="rect">
+            <a:avLst/>
+          </a:prstGeom>
+          <a:noFill/>
+        </p:spPr>
+        <p:txBody>
+          <a:bodyPr wrap="square">
+            <a:spAutoFit/>
+          </a:bodyPr>
+          <a:lstStyle/>
+          <a:p>
+            <a:r>
+              <a:rPr lang="en-US" dirty="0"/>
+              <a:t>PBMC myocarditis-focused dataset (mostly PD-1 blockade)</a:t>
+            </a:r>
+          </a:p>
+        </p:txBody>
+      </p:sp>
+      <p:sp>
+        <p:nvSpPr>
+          <p:cNvPr id="19" name="TextBox 18">
+            <a:extLst>
+              <a:ext uri="{FF2B5EF4-FFF2-40B4-BE49-F238E27FC236}">
+                <a16:creationId xmlns:a16="http://schemas.microsoft.com/office/drawing/2014/main" id="{26BC5934-D365-EF72-4B74-EDD803F3E5FE}"/>
+              </a:ext>
+            </a:extLst>
+          </p:cNvPr>
+          <p:cNvSpPr txBox="1"/>
+          <p:nvPr/>
+        </p:nvSpPr>
+        <p:spPr>
+          <a:xfrm>
+            <a:off x="6551340" y="2342634"/>
+            <a:ext cx="6099716" cy="369332"/>
+          </a:xfrm>
+          <a:prstGeom prst="rect">
+            <a:avLst/>
+          </a:prstGeom>
+          <a:noFill/>
+        </p:spPr>
+        <p:txBody>
+          <a:bodyPr wrap="square">
+            <a:spAutoFit/>
+          </a:bodyPr>
+          <a:lstStyle/>
+          <a:p>
+            <a:r>
+              <a:rPr lang="en-US" dirty="0" err="1"/>
+              <a:t>Luoma</a:t>
+            </a:r>
+            <a:r>
+              <a:rPr lang="en-US" dirty="0"/>
+              <a:t> (2020), </a:t>
+            </a:r>
+            <a:r>
+              <a:rPr lang="en-US" i="1" dirty="0"/>
+              <a:t>Cell</a:t>
+            </a:r>
+            <a:r>
+              <a:rPr lang="en-US" dirty="0"/>
+              <a:t> colitis dataset (CTLA-4/combo blockade)</a:t>
+            </a:r>
+          </a:p>
+        </p:txBody>
+      </p:sp>
+      <p:pic>
+        <p:nvPicPr>
+          <p:cNvPr id="16" name="Picture 15">
+            <a:extLst>
+              <a:ext uri="{FF2B5EF4-FFF2-40B4-BE49-F238E27FC236}">
+                <a16:creationId xmlns:a16="http://schemas.microsoft.com/office/drawing/2014/main" id="{20C4D9FC-B91E-6109-C13D-33216DCBD879}"/>
+              </a:ext>
+            </a:extLst>
+          </p:cNvPr>
+          <p:cNvPicPr>
+            <a:picLocks noChangeAspect="1"/>
+          </p:cNvPicPr>
+          <p:nvPr/>
+        </p:nvPicPr>
+        <p:blipFill>
+          <a:blip r:embed="rId4"/>
+          <a:stretch>
+            <a:fillRect/>
+          </a:stretch>
+        </p:blipFill>
+        <p:spPr>
+          <a:xfrm>
+            <a:off x="26276" y="2780566"/>
+            <a:ext cx="5834830" cy="3661567"/>
+          </a:xfrm>
+          <a:prstGeom prst="rect">
+            <a:avLst/>
+          </a:prstGeom>
+        </p:spPr>
+      </p:pic>
+    </p:spTree>
+    <p:extLst>
+      <p:ext uri="{BB962C8B-B14F-4D97-AF65-F5344CB8AC3E}">
+        <p14:creationId xmlns:p14="http://schemas.microsoft.com/office/powerpoint/2010/main" val="3402864746"/>
+      </p:ext>
+    </p:extLst>
+  </p:cSld>
+  <p:clrMapOvr>
+    <a:masterClrMapping/>
+  </p:clrMapOvr>
+</p:sld>
+</file>
+
+<file path=ppt/slides/slide11.xml><?xml version="1.0" encoding="utf-8"?>
+<p:sld xmlns:a="http://schemas.openxmlformats.org/drawingml/2006/main" xmlns:r="http://schemas.openxmlformats.org/officeDocument/2006/relationships" xmlns:p="http://schemas.openxmlformats.org/presentationml/2006/main">
+  <p:cSld>
+    <p:spTree>
+      <p:nvGrpSpPr>
+        <p:cNvPr id="1" name="">
+          <a:extLst>
+            <a:ext uri="{FF2B5EF4-FFF2-40B4-BE49-F238E27FC236}">
+              <a16:creationId xmlns:a16="http://schemas.microsoft.com/office/drawing/2014/main" id="{E0F14292-DD99-A9DF-44C1-EDBF74A65A40}"/>
+            </a:ext>
+          </a:extLst>
+        </p:cNvPr>
+        <p:cNvGrpSpPr/>
+        <p:nvPr/>
+      </p:nvGrpSpPr>
+      <p:grpSpPr>
+        <a:xfrm>
+          <a:off x="0" y="0"/>
+          <a:ext cx="0" cy="0"/>
+          <a:chOff x="0" y="0"/>
+          <a:chExt cx="0" cy="0"/>
+        </a:xfrm>
+      </p:grpSpPr>
+      <p:sp>
+        <p:nvSpPr>
+          <p:cNvPr id="2" name="Title 1">
+            <a:extLst>
+              <a:ext uri="{FF2B5EF4-FFF2-40B4-BE49-F238E27FC236}">
+                <a16:creationId xmlns:a16="http://schemas.microsoft.com/office/drawing/2014/main" id="{31DFD031-292A-A7C7-7247-67B95C775691}"/>
+              </a:ext>
+            </a:extLst>
+          </p:cNvPr>
+          <p:cNvSpPr>
+            <a:spLocks noGrp="1"/>
+          </p:cNvSpPr>
+          <p:nvPr>
+            <p:ph type="title"/>
+          </p:nvPr>
+        </p:nvSpPr>
+        <p:spPr>
+          <a:xfrm>
+            <a:off x="838200" y="593725"/>
+            <a:ext cx="10515600" cy="1325563"/>
+          </a:xfrm>
+        </p:spPr>
+        <p:txBody>
+          <a:bodyPr>
+            <a:normAutofit/>
+          </a:bodyPr>
+          <a:lstStyle/>
+          <a:p>
+            <a:r>
               <a:rPr lang="en-US" sz="3600" dirty="0"/>
-              <a:t>CD8s for old colitis dataset</a:t>
-            </a:r>
-            <a:endParaRPr lang="en-US" dirty="0"/>
+              <a:t>CD8s from </a:t>
+            </a:r>
+            <a:r>
+              <a:rPr lang="en-US" dirty="0" err="1"/>
+              <a:t>Luoma</a:t>
+            </a:r>
+            <a:r>
+              <a:rPr lang="en-US" dirty="0"/>
+              <a:t> (2020), </a:t>
+            </a:r>
+            <a:r>
+              <a:rPr lang="en-US" i="1" dirty="0"/>
+              <a:t>Cell </a:t>
+            </a:r>
+            <a:r>
+              <a:rPr lang="en-US" dirty="0"/>
+              <a:t>colitis dataset</a:t>
+            </a:r>
           </a:p>
         </p:txBody>
       </p:sp>
@@ -5290,7 +6145,10 @@
           </a:bodyPr>
           <a:lstStyle/>
           <a:p>
-            <a:endParaRPr lang="en-US" dirty="0"/>
+            <a:r>
+              <a:rPr lang="en-US" dirty="0"/>
+              <a:t>Colitis cohort differences &amp; combining datasets</a:t>
+            </a:r>
           </a:p>
         </p:txBody>
       </p:sp>
@@ -5360,7 +6218,7 @@
           <a:p>
             <a:r>
               <a:rPr lang="en-US" dirty="0"/>
-              <a:t>Cohorts differ most in ICB drug and cancer type, may contribute to batch effects in integration</a:t>
+              <a:t>Observe batch effects in integration, cohorts differ most in ICB drug and cancer type</a:t>
             </a:r>
           </a:p>
         </p:txBody>
@@ -5716,13 +6574,21 @@
         </p:spPr>
         <p:txBody>
           <a:bodyPr>
-            <a:normAutofit/>
+            <a:normAutofit fontScale="90000"/>
           </a:bodyPr>
           <a:lstStyle/>
           <a:p>
             <a:r>
               <a:rPr lang="en-US" sz="3600" dirty="0"/>
-              <a:t>Splitting cell type analysis by CD4/CD8 doesn’t improve similarity between colitis datasets</a:t>
+              <a:t>Splitting cell type analysis by CD4/CD8 doesn’t improve similarity between colitis datasets but does pull out more significant differences for </a:t>
+            </a:r>
+            <a:r>
+              <a:rPr lang="en-US" sz="3600" dirty="0" err="1"/>
+              <a:t>Luoma</a:t>
+            </a:r>
+            <a:r>
+              <a:rPr lang="en-US" sz="3600" dirty="0"/>
+              <a:t> (2020) dataset</a:t>
             </a:r>
             <a:endParaRPr lang="en-US" dirty="0"/>
           </a:p>
@@ -6148,6 +7014,423 @@
               <a:rPr lang="en-US" dirty="0"/>
               <a:t>0.07</a:t>
             </a:r>
+          </a:p>
+        </p:txBody>
+      </p:sp>
+      <p:sp>
+        <p:nvSpPr>
+          <p:cNvPr id="3" name="TextBox 2">
+            <a:extLst>
+              <a:ext uri="{FF2B5EF4-FFF2-40B4-BE49-F238E27FC236}">
+                <a16:creationId xmlns:a16="http://schemas.microsoft.com/office/drawing/2014/main" id="{3EF86FA6-0AB5-BDEF-1FB8-BF55931C6334}"/>
+              </a:ext>
+            </a:extLst>
+          </p:cNvPr>
+          <p:cNvSpPr txBox="1"/>
+          <p:nvPr/>
+        </p:nvSpPr>
+        <p:spPr>
+          <a:xfrm rot="16200000">
+            <a:off x="4153809" y="5397727"/>
+            <a:ext cx="599264" cy="923330"/>
+          </a:xfrm>
+          <a:prstGeom prst="rect">
+            <a:avLst/>
+          </a:prstGeom>
+          <a:noFill/>
+        </p:spPr>
+        <p:txBody>
+          <a:bodyPr wrap="square" rtlCol="0">
+            <a:spAutoFit/>
+          </a:bodyPr>
+          <a:lstStyle/>
+          <a:p>
+            <a:r>
+              <a:rPr lang="en-US" dirty="0">
+                <a:solidFill>
+                  <a:srgbClr val="006400"/>
+                </a:solidFill>
+                <a:sym typeface="Wingdings" pitchFamily="2" charset="2"/>
+              </a:rPr>
+              <a:t></a:t>
+            </a:r>
+            <a:r>
+              <a:rPr lang="en-US" dirty="0">
+                <a:solidFill>
+                  <a:srgbClr val="92D050"/>
+                </a:solidFill>
+                <a:sym typeface="Wingdings" pitchFamily="2" charset="2"/>
+              </a:rPr>
+              <a:t></a:t>
+            </a:r>
+            <a:endParaRPr lang="en-US" dirty="0">
+              <a:solidFill>
+                <a:srgbClr val="92D050"/>
+              </a:solidFill>
+            </a:endParaRPr>
+          </a:p>
+          <a:p>
+            <a:endParaRPr lang="en-US" dirty="0">
+              <a:solidFill>
+                <a:srgbClr val="00B050"/>
+              </a:solidFill>
+            </a:endParaRPr>
+          </a:p>
+        </p:txBody>
+      </p:sp>
+      <p:sp>
+        <p:nvSpPr>
+          <p:cNvPr id="4" name="TextBox 3">
+            <a:extLst>
+              <a:ext uri="{FF2B5EF4-FFF2-40B4-BE49-F238E27FC236}">
+                <a16:creationId xmlns:a16="http://schemas.microsoft.com/office/drawing/2014/main" id="{F67EBB2B-268A-6833-2A4D-D85BE91B30B0}"/>
+              </a:ext>
+            </a:extLst>
+          </p:cNvPr>
+          <p:cNvSpPr txBox="1"/>
+          <p:nvPr/>
+        </p:nvSpPr>
+        <p:spPr>
+          <a:xfrm rot="5400000">
+            <a:off x="3870031" y="5936131"/>
+            <a:ext cx="599268" cy="923330"/>
+          </a:xfrm>
+          <a:prstGeom prst="rect">
+            <a:avLst/>
+          </a:prstGeom>
+          <a:noFill/>
+        </p:spPr>
+        <p:txBody>
+          <a:bodyPr wrap="square" rtlCol="0">
+            <a:spAutoFit/>
+          </a:bodyPr>
+          <a:lstStyle/>
+          <a:p>
+            <a:r>
+              <a:rPr lang="en-US" dirty="0">
+                <a:solidFill>
+                  <a:srgbClr val="F8766D"/>
+                </a:solidFill>
+                <a:sym typeface="Wingdings" pitchFamily="2" charset="2"/>
+              </a:rPr>
+              <a:t></a:t>
+            </a:r>
+            <a:r>
+              <a:rPr lang="en-US" dirty="0">
+                <a:solidFill>
+                  <a:srgbClr val="C00000"/>
+                </a:solidFill>
+                <a:sym typeface="Wingdings" pitchFamily="2" charset="2"/>
+              </a:rPr>
+              <a:t></a:t>
+            </a:r>
+            <a:endParaRPr lang="en-US" dirty="0">
+              <a:solidFill>
+                <a:srgbClr val="C00000"/>
+              </a:solidFill>
+            </a:endParaRPr>
+          </a:p>
+          <a:p>
+            <a:endParaRPr lang="en-US" dirty="0">
+              <a:solidFill>
+                <a:srgbClr val="FF0000"/>
+              </a:solidFill>
+            </a:endParaRPr>
+          </a:p>
+        </p:txBody>
+      </p:sp>
+      <p:sp>
+        <p:nvSpPr>
+          <p:cNvPr id="5" name="TextBox 4">
+            <a:extLst>
+              <a:ext uri="{FF2B5EF4-FFF2-40B4-BE49-F238E27FC236}">
+                <a16:creationId xmlns:a16="http://schemas.microsoft.com/office/drawing/2014/main" id="{F2AF1BDD-1E3C-3D97-A944-6B4CA8D12C82}"/>
+              </a:ext>
+            </a:extLst>
+          </p:cNvPr>
+          <p:cNvSpPr txBox="1"/>
+          <p:nvPr/>
+        </p:nvSpPr>
+        <p:spPr>
+          <a:xfrm>
+            <a:off x="4452514" y="5766637"/>
+            <a:ext cx="3491119" cy="369332"/>
+          </a:xfrm>
+          <a:prstGeom prst="rect">
+            <a:avLst/>
+          </a:prstGeom>
+          <a:noFill/>
+        </p:spPr>
+        <p:txBody>
+          <a:bodyPr wrap="square" rtlCol="0">
+            <a:spAutoFit/>
+          </a:bodyPr>
+          <a:lstStyle/>
+          <a:p>
+            <a:r>
+              <a:rPr lang="en-US" dirty="0"/>
+              <a:t>: clearly, kind of up in their analysis</a:t>
+            </a:r>
+          </a:p>
+        </p:txBody>
+      </p:sp>
+      <p:sp>
+        <p:nvSpPr>
+          <p:cNvPr id="6" name="TextBox 5">
+            <a:extLst>
+              <a:ext uri="{FF2B5EF4-FFF2-40B4-BE49-F238E27FC236}">
+                <a16:creationId xmlns:a16="http://schemas.microsoft.com/office/drawing/2014/main" id="{7BFAD6CA-699B-5138-C42D-3A65A48495FB}"/>
+              </a:ext>
+            </a:extLst>
+          </p:cNvPr>
+          <p:cNvSpPr txBox="1"/>
+          <p:nvPr/>
+        </p:nvSpPr>
+        <p:spPr>
+          <a:xfrm>
+            <a:off x="4463665" y="6119336"/>
+            <a:ext cx="3974632" cy="369332"/>
+          </a:xfrm>
+          <a:prstGeom prst="rect">
+            <a:avLst/>
+          </a:prstGeom>
+          <a:noFill/>
+        </p:spPr>
+        <p:txBody>
+          <a:bodyPr wrap="square" rtlCol="0">
+            <a:spAutoFit/>
+          </a:bodyPr>
+          <a:lstStyle/>
+          <a:p>
+            <a:r>
+              <a:rPr lang="en-US" dirty="0"/>
+              <a:t>: clearly, kind of down in their analysis</a:t>
+            </a:r>
+          </a:p>
+        </p:txBody>
+      </p:sp>
+      <p:sp>
+        <p:nvSpPr>
+          <p:cNvPr id="7" name="TextBox 6">
+            <a:extLst>
+              <a:ext uri="{FF2B5EF4-FFF2-40B4-BE49-F238E27FC236}">
+                <a16:creationId xmlns:a16="http://schemas.microsoft.com/office/drawing/2014/main" id="{06BBDEC7-2AA0-68D6-2C68-0F073AD51A54}"/>
+              </a:ext>
+            </a:extLst>
+          </p:cNvPr>
+          <p:cNvSpPr txBox="1"/>
+          <p:nvPr/>
+        </p:nvSpPr>
+        <p:spPr>
+          <a:xfrm rot="16200000">
+            <a:off x="1070005" y="3325212"/>
+            <a:ext cx="599264" cy="369332"/>
+          </a:xfrm>
+          <a:prstGeom prst="rect">
+            <a:avLst/>
+          </a:prstGeom>
+          <a:noFill/>
+        </p:spPr>
+        <p:txBody>
+          <a:bodyPr wrap="square" rtlCol="0">
+            <a:spAutoFit/>
+          </a:bodyPr>
+          <a:lstStyle/>
+          <a:p>
+            <a:r>
+              <a:rPr lang="en-US" dirty="0">
+                <a:solidFill>
+                  <a:srgbClr val="006400"/>
+                </a:solidFill>
+                <a:sym typeface="Wingdings" pitchFamily="2" charset="2"/>
+              </a:rPr>
+              <a:t></a:t>
+            </a:r>
+            <a:endParaRPr lang="en-US" dirty="0">
+              <a:solidFill>
+                <a:srgbClr val="006400"/>
+              </a:solidFill>
+            </a:endParaRPr>
+          </a:p>
+        </p:txBody>
+      </p:sp>
+      <p:sp>
+        <p:nvSpPr>
+          <p:cNvPr id="8" name="TextBox 7">
+            <a:extLst>
+              <a:ext uri="{FF2B5EF4-FFF2-40B4-BE49-F238E27FC236}">
+                <a16:creationId xmlns:a16="http://schemas.microsoft.com/office/drawing/2014/main" id="{4F6C9DC4-EF85-8726-98C8-30E3E1B48E7E}"/>
+              </a:ext>
+            </a:extLst>
+          </p:cNvPr>
+          <p:cNvSpPr txBox="1"/>
+          <p:nvPr/>
+        </p:nvSpPr>
+        <p:spPr>
+          <a:xfrm rot="5400000">
+            <a:off x="3425058" y="3522866"/>
+            <a:ext cx="599268" cy="369332"/>
+          </a:xfrm>
+          <a:prstGeom prst="rect">
+            <a:avLst/>
+          </a:prstGeom>
+          <a:noFill/>
+        </p:spPr>
+        <p:txBody>
+          <a:bodyPr wrap="square" rtlCol="0">
+            <a:spAutoFit/>
+          </a:bodyPr>
+          <a:lstStyle/>
+          <a:p>
+            <a:r>
+              <a:rPr lang="en-US" dirty="0">
+                <a:solidFill>
+                  <a:srgbClr val="C00000"/>
+                </a:solidFill>
+                <a:sym typeface="Wingdings" pitchFamily="2" charset="2"/>
+              </a:rPr>
+              <a:t></a:t>
+            </a:r>
+            <a:endParaRPr lang="en-US" dirty="0">
+              <a:solidFill>
+                <a:srgbClr val="C00000"/>
+              </a:solidFill>
+            </a:endParaRPr>
+          </a:p>
+        </p:txBody>
+      </p:sp>
+      <p:sp>
+        <p:nvSpPr>
+          <p:cNvPr id="13" name="TextBox 12">
+            <a:extLst>
+              <a:ext uri="{FF2B5EF4-FFF2-40B4-BE49-F238E27FC236}">
+                <a16:creationId xmlns:a16="http://schemas.microsoft.com/office/drawing/2014/main" id="{D960E28D-B5D7-286B-99F0-ACB291405E11}"/>
+              </a:ext>
+            </a:extLst>
+          </p:cNvPr>
+          <p:cNvSpPr txBox="1"/>
+          <p:nvPr/>
+        </p:nvSpPr>
+        <p:spPr>
+          <a:xfrm rot="16200000">
+            <a:off x="4073629" y="3320304"/>
+            <a:ext cx="599264" cy="369332"/>
+          </a:xfrm>
+          <a:prstGeom prst="rect">
+            <a:avLst/>
+          </a:prstGeom>
+          <a:noFill/>
+        </p:spPr>
+        <p:txBody>
+          <a:bodyPr wrap="square" rtlCol="0">
+            <a:spAutoFit/>
+          </a:bodyPr>
+          <a:lstStyle/>
+          <a:p>
+            <a:r>
+              <a:rPr lang="en-US" dirty="0">
+                <a:solidFill>
+                  <a:srgbClr val="92D050"/>
+                </a:solidFill>
+                <a:sym typeface="Wingdings" pitchFamily="2" charset="2"/>
+              </a:rPr>
+              <a:t></a:t>
+            </a:r>
+            <a:endParaRPr lang="en-US" dirty="0">
+              <a:solidFill>
+                <a:srgbClr val="92D050"/>
+              </a:solidFill>
+            </a:endParaRPr>
+          </a:p>
+        </p:txBody>
+      </p:sp>
+      <p:sp>
+        <p:nvSpPr>
+          <p:cNvPr id="14" name="TextBox 13">
+            <a:extLst>
+              <a:ext uri="{FF2B5EF4-FFF2-40B4-BE49-F238E27FC236}">
+                <a16:creationId xmlns:a16="http://schemas.microsoft.com/office/drawing/2014/main" id="{2CE7EFE6-9D53-59A5-BC7D-A6EF517F34FC}"/>
+              </a:ext>
+            </a:extLst>
+          </p:cNvPr>
+          <p:cNvSpPr txBox="1"/>
+          <p:nvPr/>
+        </p:nvSpPr>
+        <p:spPr>
+          <a:xfrm rot="5400000">
+            <a:off x="1877718" y="3517958"/>
+            <a:ext cx="599268" cy="369332"/>
+          </a:xfrm>
+          <a:prstGeom prst="rect">
+            <a:avLst/>
+          </a:prstGeom>
+          <a:noFill/>
+        </p:spPr>
+        <p:txBody>
+          <a:bodyPr wrap="square" rtlCol="0">
+            <a:spAutoFit/>
+          </a:bodyPr>
+          <a:lstStyle/>
+          <a:p>
+            <a:r>
+              <a:rPr lang="en-US" dirty="0">
+                <a:solidFill>
+                  <a:srgbClr val="F8766D"/>
+                </a:solidFill>
+                <a:sym typeface="Wingdings" pitchFamily="2" charset="2"/>
+              </a:rPr>
+              <a:t></a:t>
+            </a:r>
+            <a:endParaRPr lang="en-US" dirty="0">
+              <a:solidFill>
+                <a:srgbClr val="F8766D"/>
+              </a:solidFill>
+            </a:endParaRPr>
+          </a:p>
+        </p:txBody>
+      </p:sp>
+      <p:sp>
+        <p:nvSpPr>
+          <p:cNvPr id="15" name="TextBox 14">
+            <a:extLst>
+              <a:ext uri="{FF2B5EF4-FFF2-40B4-BE49-F238E27FC236}">
+                <a16:creationId xmlns:a16="http://schemas.microsoft.com/office/drawing/2014/main" id="{4E34018F-2E0F-CCD4-FA73-EE3EA0A8524B}"/>
+              </a:ext>
+            </a:extLst>
+          </p:cNvPr>
+          <p:cNvSpPr txBox="1"/>
+          <p:nvPr/>
+        </p:nvSpPr>
+        <p:spPr>
+          <a:xfrm rot="16200000">
+            <a:off x="10127456" y="3322101"/>
+            <a:ext cx="599264" cy="369332"/>
+          </a:xfrm>
+          <a:prstGeom prst="rect">
+            <a:avLst/>
+          </a:prstGeom>
+          <a:noFill/>
+        </p:spPr>
+        <p:txBody>
+          <a:bodyPr wrap="square" rtlCol="0">
+            <a:spAutoFit/>
+          </a:bodyPr>
+          <a:lstStyle/>
+          <a:p>
+            <a:r>
+              <a:rPr lang="en-US" dirty="0">
+                <a:solidFill>
+                  <a:srgbClr val="006400"/>
+                </a:solidFill>
+                <a:sym typeface="Wingdings" pitchFamily="2" charset="2"/>
+              </a:rPr>
+              <a:t></a:t>
+            </a:r>
+            <a:endParaRPr lang="en-US" dirty="0">
+              <a:solidFill>
+                <a:srgbClr val="006400"/>
+              </a:solidFill>
+            </a:endParaRPr>
           </a:p>
         </p:txBody>
       </p:sp>
@@ -6431,7 +7714,7 @@
         </p:nvSpPr>
         <p:spPr>
           <a:xfrm>
-            <a:off x="5558757" y="2357227"/>
+            <a:off x="5590287" y="2357227"/>
             <a:ext cx="300082" cy="369332"/>
           </a:xfrm>
           <a:prstGeom prst="rect">
@@ -6542,7 +7825,7 @@
             </a:r>
             <a:r>
               <a:rPr lang="en-US" sz="3600" dirty="0"/>
-              <a:t> groups (what was seen in new colitis dataset)</a:t>
+              <a:t> groups (what was seen in old colitis dataset)</a:t>
             </a:r>
             <a:endParaRPr lang="en-US" dirty="0"/>
           </a:p>
@@ -6563,7 +7846,7 @@
         <p:spPr>
           <a:xfrm>
             <a:off x="3708000" y="6488668"/>
-            <a:ext cx="5248553" cy="369332"/>
+            <a:ext cx="3741730" cy="369332"/>
           </a:xfrm>
           <a:prstGeom prst="rect">
             <a:avLst/>
@@ -6594,7 +7877,7 @@
                 <a:ea typeface="Calibri" panose="020F0502020204030204" pitchFamily="34" charset="0"/>
                 <a:cs typeface="Times New Roman" panose="02020603050405020304" pitchFamily="18" charset="0"/>
               </a:rPr>
-              <a:t>**, </a:t>
+              <a:t>*, </a:t>
             </a:r>
             <a:r>
               <a:rPr lang="en-US" sz="1800" dirty="0" err="1">
@@ -6612,24 +7895,6 @@
                 <a:ea typeface="Calibri" panose="020F0502020204030204" pitchFamily="34" charset="0"/>
                 <a:cs typeface="Times New Roman" panose="02020603050405020304" pitchFamily="18" charset="0"/>
               </a:rPr>
-              <a:t> &lt; 1e-2; *, </a:t>
-            </a:r>
-            <a:r>
-              <a:rPr lang="en-US" sz="1800" dirty="0" err="1">
-                <a:effectLst/>
-                <a:latin typeface="Calibri" panose="020F0502020204030204" pitchFamily="34" charset="0"/>
-                <a:ea typeface="Calibri" panose="020F0502020204030204" pitchFamily="34" charset="0"/>
-                <a:cs typeface="Times New Roman" panose="02020603050405020304" pitchFamily="18" charset="0"/>
-              </a:rPr>
-              <a:t>padj</a:t>
-            </a:r>
-            <a:r>
-              <a:rPr lang="en-US" sz="1800" dirty="0">
-                <a:effectLst/>
-                <a:latin typeface="Calibri" panose="020F0502020204030204" pitchFamily="34" charset="0"/>
-                <a:ea typeface="Calibri" panose="020F0502020204030204" pitchFamily="34" charset="0"/>
-                <a:cs typeface="Times New Roman" panose="02020603050405020304" pitchFamily="18" charset="0"/>
-              </a:rPr>
               <a:t> &lt; 0.05</a:t>
             </a:r>
             <a:endParaRPr lang="en-US" b="0" i="0" u="none" strike="noStrike" dirty="0">
@@ -6644,10 +7909,10 @@
       </p:sp>
       <p:pic>
         <p:nvPicPr>
-          <p:cNvPr id="8" name="Picture 7">
-            <a:extLst>
-              <a:ext uri="{FF2B5EF4-FFF2-40B4-BE49-F238E27FC236}">
-                <a16:creationId xmlns:a16="http://schemas.microsoft.com/office/drawing/2014/main" id="{0E93CDBB-3326-BBE8-758A-D10F1077E002}"/>
+          <p:cNvPr id="3" name="Picture 2">
+            <a:extLst>
+              <a:ext uri="{FF2B5EF4-FFF2-40B4-BE49-F238E27FC236}">
+                <a16:creationId xmlns:a16="http://schemas.microsoft.com/office/drawing/2014/main" id="{12CCEECE-C040-7646-43B5-786318FFE543}"/>
               </a:ext>
             </a:extLst>
           </p:cNvPr>
@@ -6664,8 +7929,8 @@
         </p:blipFill>
         <p:spPr>
           <a:xfrm>
-            <a:off x="2364826" y="2050593"/>
-            <a:ext cx="7265069" cy="4438075"/>
+            <a:off x="2264091" y="2131596"/>
+            <a:ext cx="6692462" cy="4144763"/>
           </a:xfrm>
           <a:prstGeom prst="rect">
             <a:avLst/>
@@ -6693,7 +7958,7 @@
         <p:cNvPr id="1" name="">
           <a:extLst>
             <a:ext uri="{FF2B5EF4-FFF2-40B4-BE49-F238E27FC236}">
-              <a16:creationId xmlns:a16="http://schemas.microsoft.com/office/drawing/2014/main" id="{5F63F271-7169-1115-1EF3-CE3BF477816E}"/>
+              <a16:creationId xmlns:a16="http://schemas.microsoft.com/office/drawing/2014/main" id="{E0F14292-DD99-A9DF-44C1-EDBF74A65A40}"/>
             </a:ext>
           </a:extLst>
         </p:cNvPr>
@@ -6708,12 +7973,42 @@
           <a:chExt cx="0" cy="0"/>
         </a:xfrm>
       </p:grpSpPr>
+      <p:pic>
+        <p:nvPicPr>
+          <p:cNvPr id="14" name="Picture 13">
+            <a:extLst>
+              <a:ext uri="{FF2B5EF4-FFF2-40B4-BE49-F238E27FC236}">
+                <a16:creationId xmlns:a16="http://schemas.microsoft.com/office/drawing/2014/main" id="{F330BEA7-0A35-60A6-4FC2-A2AA1E0C33AD}"/>
+              </a:ext>
+            </a:extLst>
+          </p:cNvPr>
+          <p:cNvPicPr>
+            <a:picLocks noChangeAspect="1"/>
+          </p:cNvPicPr>
+          <p:nvPr/>
+        </p:nvPicPr>
+        <p:blipFill>
+          <a:blip r:embed="rId3"/>
+          <a:stretch>
+            <a:fillRect/>
+          </a:stretch>
+        </p:blipFill>
+        <p:spPr>
+          <a:xfrm>
+            <a:off x="4055241" y="1"/>
+            <a:ext cx="8136759" cy="6858000"/>
+          </a:xfrm>
+          <a:prstGeom prst="rect">
+            <a:avLst/>
+          </a:prstGeom>
+        </p:spPr>
+      </p:pic>
       <p:sp>
         <p:nvSpPr>
           <p:cNvPr id="2" name="Title 1">
             <a:extLst>
               <a:ext uri="{FF2B5EF4-FFF2-40B4-BE49-F238E27FC236}">
-                <a16:creationId xmlns:a16="http://schemas.microsoft.com/office/drawing/2014/main" id="{FA6F45DB-D64D-9355-7CD2-66B994D6E22E}"/>
+                <a16:creationId xmlns:a16="http://schemas.microsoft.com/office/drawing/2014/main" id="{31DFD031-292A-A7C7-7247-67B95C775691}"/>
               </a:ext>
             </a:extLst>
           </p:cNvPr>
@@ -6726,88 +8021,556 @@
         </p:nvSpPr>
         <p:spPr>
           <a:xfrm>
-            <a:off x="838200" y="593725"/>
-            <a:ext cx="3561080" cy="1325563"/>
+            <a:off x="838200" y="593726"/>
+            <a:ext cx="3145221" cy="1897226"/>
           </a:xfrm>
         </p:spPr>
         <p:txBody>
           <a:bodyPr>
-            <a:normAutofit/>
+            <a:normAutofit fontScale="90000"/>
           </a:bodyPr>
           <a:lstStyle/>
           <a:p>
             <a:r>
+              <a:rPr lang="en-US" sz="3600" dirty="0"/>
+              <a:t>CD8 </a:t>
+            </a:r>
+            <a:r>
+              <a:rPr lang="en-US" sz="3600" dirty="0" err="1"/>
+              <a:t>Trm</a:t>
+            </a:r>
+            <a:r>
+              <a:rPr lang="en-US" sz="3600" dirty="0"/>
+              <a:t> TRA </a:t>
+            </a:r>
+            <a:r>
+              <a:rPr lang="en-US" sz="3600" dirty="0" err="1"/>
+              <a:t>pgen</a:t>
+            </a:r>
+            <a:r>
+              <a:rPr lang="en-US" sz="3600" dirty="0"/>
+              <a:t> analysis at combined colitis dataset level</a:t>
+            </a:r>
+            <a:endParaRPr lang="en-US" dirty="0"/>
+          </a:p>
+        </p:txBody>
+      </p:sp>
+      <p:sp>
+        <p:nvSpPr>
+          <p:cNvPr id="5" name="TextBox 4">
+            <a:extLst>
+              <a:ext uri="{FF2B5EF4-FFF2-40B4-BE49-F238E27FC236}">
+                <a16:creationId xmlns:a16="http://schemas.microsoft.com/office/drawing/2014/main" id="{63A7F191-89A9-6F6F-E9EC-FB727BF4778E}"/>
+              </a:ext>
+            </a:extLst>
+          </p:cNvPr>
+          <p:cNvSpPr txBox="1"/>
+          <p:nvPr/>
+        </p:nvSpPr>
+        <p:spPr>
+          <a:xfrm rot="16200000">
+            <a:off x="3049557" y="2516378"/>
+            <a:ext cx="1068779" cy="369332"/>
+          </a:xfrm>
+          <a:prstGeom prst="rect">
+            <a:avLst/>
+          </a:prstGeom>
+          <a:noFill/>
+        </p:spPr>
+        <p:txBody>
+          <a:bodyPr wrap="square" rtlCol="0">
+            <a:spAutoFit/>
+          </a:bodyPr>
+          <a:lstStyle/>
+          <a:p>
+            <a:r>
+              <a:rPr lang="en-US" dirty="0">
+                <a:sym typeface="Wingdings" pitchFamily="2" charset="2"/>
+              </a:rPr>
+              <a:t></a:t>
+            </a:r>
+            <a:endParaRPr lang="en-US" dirty="0"/>
+          </a:p>
+        </p:txBody>
+      </p:sp>
+      <p:sp>
+        <p:nvSpPr>
+          <p:cNvPr id="6" name="TextBox 5">
+            <a:extLst>
+              <a:ext uri="{FF2B5EF4-FFF2-40B4-BE49-F238E27FC236}">
+                <a16:creationId xmlns:a16="http://schemas.microsoft.com/office/drawing/2014/main" id="{B1F445CA-D062-A2BD-2207-A8193A77292D}"/>
+              </a:ext>
+            </a:extLst>
+          </p:cNvPr>
+          <p:cNvSpPr txBox="1"/>
+          <p:nvPr/>
+        </p:nvSpPr>
+        <p:spPr>
+          <a:xfrm>
+            <a:off x="2015766" y="3205147"/>
+            <a:ext cx="1967655" cy="369332"/>
+          </a:xfrm>
+          <a:prstGeom prst="rect">
+            <a:avLst/>
+          </a:prstGeom>
+          <a:noFill/>
+        </p:spPr>
+        <p:txBody>
+          <a:bodyPr wrap="none" rtlCol="0">
+            <a:spAutoFit/>
+          </a:bodyPr>
+          <a:lstStyle/>
+          <a:p>
+            <a:r>
               <a:rPr lang="en-US" dirty="0"/>
-              <a:t>Conclusions</a:t>
-            </a:r>
-          </a:p>
-        </p:txBody>
-      </p:sp>
-      <p:sp>
-        <p:nvSpPr>
-          <p:cNvPr id="3" name="Content Placeholder 2">
-            <a:extLst>
-              <a:ext uri="{FF2B5EF4-FFF2-40B4-BE49-F238E27FC236}">
-                <a16:creationId xmlns:a16="http://schemas.microsoft.com/office/drawing/2014/main" id="{28955BE2-D76F-6F20-59F9-5AB74A7BB43C}"/>
-              </a:ext>
-            </a:extLst>
-          </p:cNvPr>
-          <p:cNvSpPr>
-            <a:spLocks noGrp="1"/>
-          </p:cNvSpPr>
-          <p:nvPr>
-            <p:ph idx="1"/>
-          </p:nvPr>
+              <a:t>More germline-like</a:t>
+            </a:r>
+          </a:p>
+        </p:txBody>
+      </p:sp>
+      <p:sp>
+        <p:nvSpPr>
+          <p:cNvPr id="7" name="TextBox 6">
+            <a:extLst>
+              <a:ext uri="{FF2B5EF4-FFF2-40B4-BE49-F238E27FC236}">
+                <a16:creationId xmlns:a16="http://schemas.microsoft.com/office/drawing/2014/main" id="{5722BBAA-1E7C-81D2-F38C-5AC79A0A55E6}"/>
+              </a:ext>
+            </a:extLst>
+          </p:cNvPr>
+          <p:cNvSpPr txBox="1"/>
+          <p:nvPr/>
+        </p:nvSpPr>
+        <p:spPr>
+          <a:xfrm rot="5400000">
+            <a:off x="3029236" y="4325961"/>
+            <a:ext cx="1068779" cy="369332"/>
+          </a:xfrm>
+          <a:prstGeom prst="rect">
+            <a:avLst/>
+          </a:prstGeom>
+          <a:noFill/>
+        </p:spPr>
+        <p:txBody>
+          <a:bodyPr wrap="square" rtlCol="0">
+            <a:spAutoFit/>
+          </a:bodyPr>
+          <a:lstStyle/>
+          <a:p>
+            <a:r>
+              <a:rPr lang="en-US" dirty="0">
+                <a:sym typeface="Wingdings" pitchFamily="2" charset="2"/>
+              </a:rPr>
+              <a:t></a:t>
+            </a:r>
+            <a:endParaRPr lang="en-US" dirty="0"/>
+          </a:p>
+        </p:txBody>
+      </p:sp>
+      <p:sp>
+        <p:nvSpPr>
+          <p:cNvPr id="9" name="TextBox 8">
+            <a:extLst>
+              <a:ext uri="{FF2B5EF4-FFF2-40B4-BE49-F238E27FC236}">
+                <a16:creationId xmlns:a16="http://schemas.microsoft.com/office/drawing/2014/main" id="{4BE0279D-2D66-A4BE-9AEE-625F0509FAD5}"/>
+              </a:ext>
+            </a:extLst>
+          </p:cNvPr>
+          <p:cNvSpPr txBox="1"/>
+          <p:nvPr/>
         </p:nvSpPr>
         <p:spPr>
           <a:xfrm>
-            <a:off x="838200" y="1919289"/>
-            <a:ext cx="10460421" cy="4623402"/>
-          </a:xfrm>
-        </p:spPr>
-        <p:txBody>
-          <a:bodyPr>
-            <a:normAutofit/>
+            <a:off x="2134582" y="3637192"/>
+            <a:ext cx="1848839" cy="369332"/>
+          </a:xfrm>
+          <a:prstGeom prst="rect">
+            <a:avLst/>
+          </a:prstGeom>
+          <a:noFill/>
+        </p:spPr>
+        <p:txBody>
+          <a:bodyPr wrap="none" rtlCol="0">
+            <a:spAutoFit/>
           </a:bodyPr>
           <a:lstStyle/>
           <a:p>
-            <a:pPr marL="514350" indent="-514350">
-              <a:buFont typeface="+mj-lt"/>
-              <a:buAutoNum type="arabicPeriod"/>
-            </a:pPr>
             <a:r>
               <a:rPr lang="en-US" dirty="0"/>
-              <a:t>CD4 T cell abundances differences between colitis and healthy colon tissue</a:t>
-            </a:r>
-          </a:p>
-          <a:p>
-            <a:pPr marL="971550" lvl="1" indent="-514350">
-              <a:buFont typeface="+mj-lt"/>
-              <a:buAutoNum type="alphaLcParenR"/>
-            </a:pPr>
+              <a:t>Less germline-like</a:t>
+            </a:r>
+          </a:p>
+        </p:txBody>
+      </p:sp>
+      <p:sp>
+        <p:nvSpPr>
+          <p:cNvPr id="4" name="TextBox 3">
+            <a:extLst>
+              <a:ext uri="{FF2B5EF4-FFF2-40B4-BE49-F238E27FC236}">
+                <a16:creationId xmlns:a16="http://schemas.microsoft.com/office/drawing/2014/main" id="{C5AB02AE-5C9C-5BCE-83C0-209AF1734B88}"/>
+              </a:ext>
+            </a:extLst>
+          </p:cNvPr>
+          <p:cNvSpPr txBox="1"/>
+          <p:nvPr/>
+        </p:nvSpPr>
+        <p:spPr>
+          <a:xfrm>
+            <a:off x="0" y="6488668"/>
+            <a:ext cx="5248553" cy="369332"/>
+          </a:xfrm>
+          <a:prstGeom prst="rect">
+            <a:avLst/>
+          </a:prstGeom>
+          <a:noFill/>
+        </p:spPr>
+        <p:txBody>
+          <a:bodyPr wrap="none" rtlCol="0">
+            <a:spAutoFit/>
+          </a:bodyPr>
+          <a:lstStyle/>
+          <a:p>
             <a:r>
               <a:rPr lang="en-US" dirty="0"/>
-              <a:t>CD4 TEMs less abundant in colitis tissue</a:t>
-            </a:r>
-          </a:p>
-          <a:p>
-            <a:pPr marL="971550" lvl="1" indent="-514350">
-              <a:buFont typeface="+mj-lt"/>
-              <a:buAutoNum type="alphaLcParenR"/>
-            </a:pPr>
+              <a:t>Wilcoxon rank sum test.</a:t>
+            </a:r>
+            <a:r>
+              <a:rPr lang="en-US" dirty="0">
+                <a:latin typeface="Calibri" panose="020F0502020204030204" pitchFamily="34" charset="0"/>
+                <a:cs typeface="Times New Roman" panose="02020603050405020304" pitchFamily="18" charset="0"/>
+              </a:rPr>
+              <a:t> </a:t>
+            </a:r>
+            <a:r>
+              <a:rPr lang="en-US" sz="1800" dirty="0">
+                <a:effectLst/>
+                <a:latin typeface="Calibri" panose="020F0502020204030204" pitchFamily="34" charset="0"/>
+                <a:ea typeface="Calibri" panose="020F0502020204030204" pitchFamily="34" charset="0"/>
+                <a:cs typeface="Times New Roman" panose="02020603050405020304" pitchFamily="18" charset="0"/>
+              </a:rPr>
+              <a:t>**, </a:t>
+            </a:r>
+            <a:r>
+              <a:rPr lang="en-US" sz="1800" dirty="0" err="1">
+                <a:effectLst/>
+                <a:latin typeface="Calibri" panose="020F0502020204030204" pitchFamily="34" charset="0"/>
+                <a:ea typeface="Calibri" panose="020F0502020204030204" pitchFamily="34" charset="0"/>
+                <a:cs typeface="Times New Roman" panose="02020603050405020304" pitchFamily="18" charset="0"/>
+              </a:rPr>
+              <a:t>padj</a:t>
+            </a:r>
+            <a:r>
+              <a:rPr lang="en-US" sz="1800" dirty="0">
+                <a:effectLst/>
+                <a:latin typeface="Calibri" panose="020F0502020204030204" pitchFamily="34" charset="0"/>
+                <a:ea typeface="Calibri" panose="020F0502020204030204" pitchFamily="34" charset="0"/>
+                <a:cs typeface="Times New Roman" panose="02020603050405020304" pitchFamily="18" charset="0"/>
+              </a:rPr>
+              <a:t> &lt; 1e-2; *, </a:t>
+            </a:r>
+            <a:r>
+              <a:rPr lang="en-US" sz="1800" dirty="0" err="1">
+                <a:effectLst/>
+                <a:latin typeface="Calibri" panose="020F0502020204030204" pitchFamily="34" charset="0"/>
+                <a:ea typeface="Calibri" panose="020F0502020204030204" pitchFamily="34" charset="0"/>
+                <a:cs typeface="Times New Roman" panose="02020603050405020304" pitchFamily="18" charset="0"/>
+              </a:rPr>
+              <a:t>padj</a:t>
+            </a:r>
+            <a:r>
+              <a:rPr lang="en-US" sz="1800" dirty="0">
+                <a:effectLst/>
+                <a:latin typeface="Calibri" panose="020F0502020204030204" pitchFamily="34" charset="0"/>
+                <a:ea typeface="Calibri" panose="020F0502020204030204" pitchFamily="34" charset="0"/>
+                <a:cs typeface="Times New Roman" panose="02020603050405020304" pitchFamily="18" charset="0"/>
+              </a:rPr>
+              <a:t> &lt; 0.05</a:t>
+            </a:r>
+            <a:endParaRPr lang="en-US" b="0" i="0" u="none" strike="noStrike" dirty="0">
+              <a:solidFill>
+                <a:srgbClr val="212121"/>
+              </a:solidFill>
+              <a:effectLst/>
+              <a:latin typeface="Cambria" panose="02040503050406030204" pitchFamily="18" charset="0"/>
+            </a:endParaRPr>
+          </a:p>
+        </p:txBody>
+      </p:sp>
+      <p:sp>
+        <p:nvSpPr>
+          <p:cNvPr id="15" name="TextBox 14">
+            <a:extLst>
+              <a:ext uri="{FF2B5EF4-FFF2-40B4-BE49-F238E27FC236}">
+                <a16:creationId xmlns:a16="http://schemas.microsoft.com/office/drawing/2014/main" id="{179EC95E-CCF9-3170-0C28-F6F620396CFC}"/>
+              </a:ext>
+            </a:extLst>
+          </p:cNvPr>
+          <p:cNvSpPr txBox="1"/>
+          <p:nvPr/>
+        </p:nvSpPr>
+        <p:spPr>
+          <a:xfrm>
+            <a:off x="5398465" y="2999460"/>
+            <a:ext cx="300082" cy="369332"/>
+          </a:xfrm>
+          <a:prstGeom prst="rect">
+            <a:avLst/>
+          </a:prstGeom>
+          <a:noFill/>
+        </p:spPr>
+        <p:txBody>
+          <a:bodyPr wrap="none" rtlCol="0">
+            <a:spAutoFit/>
+          </a:bodyPr>
+          <a:lstStyle/>
+          <a:p>
             <a:r>
               <a:rPr lang="en-US" dirty="0"/>
-              <a:t>CD4 proliferating T cells more abundant in colitis tissue</a:t>
-            </a:r>
-          </a:p>
-          <a:p>
-            <a:pPr marL="971550" lvl="1" indent="-514350">
-              <a:buFont typeface="+mj-lt"/>
-              <a:buAutoNum type="alphaLcParenR"/>
-            </a:pPr>
+              <a:t>*</a:t>
+            </a:r>
+          </a:p>
+        </p:txBody>
+      </p:sp>
+      <p:sp>
+        <p:nvSpPr>
+          <p:cNvPr id="16" name="TextBox 15">
+            <a:extLst>
+              <a:ext uri="{FF2B5EF4-FFF2-40B4-BE49-F238E27FC236}">
+                <a16:creationId xmlns:a16="http://schemas.microsoft.com/office/drawing/2014/main" id="{09D217EC-6E71-8ABA-068B-5F518E773834}"/>
+              </a:ext>
+            </a:extLst>
+          </p:cNvPr>
+          <p:cNvSpPr txBox="1"/>
+          <p:nvPr/>
+        </p:nvSpPr>
+        <p:spPr>
+          <a:xfrm>
+            <a:off x="5886985" y="2999460"/>
+            <a:ext cx="300082" cy="369332"/>
+          </a:xfrm>
+          <a:prstGeom prst="rect">
+            <a:avLst/>
+          </a:prstGeom>
+          <a:noFill/>
+        </p:spPr>
+        <p:txBody>
+          <a:bodyPr wrap="none" rtlCol="0">
+            <a:spAutoFit/>
+          </a:bodyPr>
+          <a:lstStyle/>
+          <a:p>
             <a:r>
               <a:rPr lang="en-US" dirty="0"/>
-              <a:t>CD4 TCMs slightly more abundant in colitis tissue</a:t>
+              <a:t>*</a:t>
+            </a:r>
+          </a:p>
+        </p:txBody>
+      </p:sp>
+      <p:sp>
+        <p:nvSpPr>
+          <p:cNvPr id="17" name="TextBox 16">
+            <a:extLst>
+              <a:ext uri="{FF2B5EF4-FFF2-40B4-BE49-F238E27FC236}">
+                <a16:creationId xmlns:a16="http://schemas.microsoft.com/office/drawing/2014/main" id="{4FCF9D64-24C5-2763-E666-60CD98166890}"/>
+              </a:ext>
+            </a:extLst>
+          </p:cNvPr>
+          <p:cNvSpPr txBox="1"/>
+          <p:nvPr/>
+        </p:nvSpPr>
+        <p:spPr>
+          <a:xfrm>
+            <a:off x="6356950" y="2991577"/>
+            <a:ext cx="300082" cy="369332"/>
+          </a:xfrm>
+          <a:prstGeom prst="rect">
+            <a:avLst/>
+          </a:prstGeom>
+          <a:noFill/>
+        </p:spPr>
+        <p:txBody>
+          <a:bodyPr wrap="none" rtlCol="0">
+            <a:spAutoFit/>
+          </a:bodyPr>
+          <a:lstStyle/>
+          <a:p>
+            <a:r>
+              <a:rPr lang="en-US" dirty="0"/>
+              <a:t>*</a:t>
+            </a:r>
+          </a:p>
+        </p:txBody>
+      </p:sp>
+      <p:sp>
+        <p:nvSpPr>
+          <p:cNvPr id="18" name="TextBox 17">
+            <a:extLst>
+              <a:ext uri="{FF2B5EF4-FFF2-40B4-BE49-F238E27FC236}">
+                <a16:creationId xmlns:a16="http://schemas.microsoft.com/office/drawing/2014/main" id="{FACE0D90-8D6E-A79A-F130-3838056EE452}"/>
+              </a:ext>
+            </a:extLst>
+          </p:cNvPr>
+          <p:cNvSpPr txBox="1"/>
+          <p:nvPr/>
+        </p:nvSpPr>
+        <p:spPr>
+          <a:xfrm>
+            <a:off x="6989221" y="2994205"/>
+            <a:ext cx="415498" cy="369332"/>
+          </a:xfrm>
+          <a:prstGeom prst="rect">
+            <a:avLst/>
+          </a:prstGeom>
+          <a:noFill/>
+        </p:spPr>
+        <p:txBody>
+          <a:bodyPr wrap="none" rtlCol="0">
+            <a:spAutoFit/>
+          </a:bodyPr>
+          <a:lstStyle/>
+          <a:p>
+            <a:r>
+              <a:rPr lang="en-US" dirty="0"/>
+              <a:t>**</a:t>
+            </a:r>
+          </a:p>
+        </p:txBody>
+      </p:sp>
+      <p:sp>
+        <p:nvSpPr>
+          <p:cNvPr id="19" name="TextBox 18">
+            <a:extLst>
+              <a:ext uri="{FF2B5EF4-FFF2-40B4-BE49-F238E27FC236}">
+                <a16:creationId xmlns:a16="http://schemas.microsoft.com/office/drawing/2014/main" id="{ECCCDC58-775E-DF14-A1A4-5B1A39514AD1}"/>
+              </a:ext>
+            </a:extLst>
+          </p:cNvPr>
+          <p:cNvSpPr txBox="1"/>
+          <p:nvPr/>
+        </p:nvSpPr>
+        <p:spPr>
+          <a:xfrm>
+            <a:off x="7530291" y="2994205"/>
+            <a:ext cx="300082" cy="369332"/>
+          </a:xfrm>
+          <a:prstGeom prst="rect">
+            <a:avLst/>
+          </a:prstGeom>
+          <a:noFill/>
+        </p:spPr>
+        <p:txBody>
+          <a:bodyPr wrap="none" rtlCol="0">
+            <a:spAutoFit/>
+          </a:bodyPr>
+          <a:lstStyle/>
+          <a:p>
+            <a:r>
+              <a:rPr lang="en-US" dirty="0"/>
+              <a:t>*</a:t>
+            </a:r>
+          </a:p>
+        </p:txBody>
+      </p:sp>
+      <p:sp>
+        <p:nvSpPr>
+          <p:cNvPr id="20" name="TextBox 19">
+            <a:extLst>
+              <a:ext uri="{FF2B5EF4-FFF2-40B4-BE49-F238E27FC236}">
+                <a16:creationId xmlns:a16="http://schemas.microsoft.com/office/drawing/2014/main" id="{7B619FBC-AA36-7EB2-A3BC-DFC64CE4F273}"/>
+              </a:ext>
+            </a:extLst>
+          </p:cNvPr>
+          <p:cNvSpPr txBox="1"/>
+          <p:nvPr/>
+        </p:nvSpPr>
+        <p:spPr>
+          <a:xfrm>
+            <a:off x="8000256" y="2986322"/>
+            <a:ext cx="300082" cy="369332"/>
+          </a:xfrm>
+          <a:prstGeom prst="rect">
+            <a:avLst/>
+          </a:prstGeom>
+          <a:noFill/>
+        </p:spPr>
+        <p:txBody>
+          <a:bodyPr wrap="none" rtlCol="0">
+            <a:spAutoFit/>
+          </a:bodyPr>
+          <a:lstStyle/>
+          <a:p>
+            <a:r>
+              <a:rPr lang="en-US" dirty="0"/>
+              <a:t>*</a:t>
+            </a:r>
+          </a:p>
+        </p:txBody>
+      </p:sp>
+      <p:sp>
+        <p:nvSpPr>
+          <p:cNvPr id="21" name="TextBox 20">
+            <a:extLst>
+              <a:ext uri="{FF2B5EF4-FFF2-40B4-BE49-F238E27FC236}">
+                <a16:creationId xmlns:a16="http://schemas.microsoft.com/office/drawing/2014/main" id="{74140891-100C-4953-80E1-7125061D41D9}"/>
+              </a:ext>
+            </a:extLst>
+          </p:cNvPr>
+          <p:cNvSpPr txBox="1"/>
+          <p:nvPr/>
+        </p:nvSpPr>
+        <p:spPr>
+          <a:xfrm>
+            <a:off x="6356950" y="5045017"/>
+            <a:ext cx="300082" cy="369332"/>
+          </a:xfrm>
+          <a:prstGeom prst="rect">
+            <a:avLst/>
+          </a:prstGeom>
+          <a:noFill/>
+        </p:spPr>
+        <p:txBody>
+          <a:bodyPr wrap="none" rtlCol="0">
+            <a:spAutoFit/>
+          </a:bodyPr>
+          <a:lstStyle/>
+          <a:p>
+            <a:r>
+              <a:rPr lang="en-US" dirty="0"/>
+              <a:t>*</a:t>
+            </a:r>
+          </a:p>
+        </p:txBody>
+      </p:sp>
+      <p:sp>
+        <p:nvSpPr>
+          <p:cNvPr id="22" name="TextBox 21">
+            <a:extLst>
+              <a:ext uri="{FF2B5EF4-FFF2-40B4-BE49-F238E27FC236}">
+                <a16:creationId xmlns:a16="http://schemas.microsoft.com/office/drawing/2014/main" id="{40AA03FB-0EF2-9E94-31E3-9BA8EB111D3B}"/>
+              </a:ext>
+            </a:extLst>
+          </p:cNvPr>
+          <p:cNvSpPr txBox="1"/>
+          <p:nvPr/>
+        </p:nvSpPr>
+        <p:spPr>
+          <a:xfrm>
+            <a:off x="4863974" y="5045017"/>
+            <a:ext cx="415498" cy="369332"/>
+          </a:xfrm>
+          <a:prstGeom prst="rect">
+            <a:avLst/>
+          </a:prstGeom>
+          <a:noFill/>
+        </p:spPr>
+        <p:txBody>
+          <a:bodyPr wrap="none" rtlCol="0">
+            <a:spAutoFit/>
+          </a:bodyPr>
+          <a:lstStyle/>
+          <a:p>
+            <a:r>
+              <a:rPr lang="en-US" dirty="0"/>
+              <a:t>**</a:t>
             </a:r>
           </a:p>
         </p:txBody>
@@ -6815,7 +8578,7 @@
     </p:spTree>
     <p:extLst>
       <p:ext uri="{BB962C8B-B14F-4D97-AF65-F5344CB8AC3E}">
-        <p14:creationId xmlns:p14="http://schemas.microsoft.com/office/powerpoint/2010/main" val="3841913290"/>
+        <p14:creationId xmlns:p14="http://schemas.microsoft.com/office/powerpoint/2010/main" val="4058569715"/>
       </p:ext>
     </p:extLst>
   </p:cSld>
@@ -6878,7 +8641,7 @@
           <a:p>
             <a:r>
               <a:rPr lang="en-US" dirty="0"/>
-              <a:t>Next steps</a:t>
+              <a:t>Conclusions</a:t>
             </a:r>
           </a:p>
         </p:txBody>
@@ -6901,8 +8664,8 @@
         </p:nvSpPr>
         <p:spPr>
           <a:xfrm>
-            <a:off x="838201" y="1919289"/>
-            <a:ext cx="10092558" cy="4623402"/>
+            <a:off x="838200" y="1919289"/>
+            <a:ext cx="10460421" cy="4623402"/>
           </a:xfrm>
         </p:spPr>
         <p:txBody>
@@ -6915,14 +8678,111 @@
               <a:buFont typeface="+mj-lt"/>
               <a:buAutoNum type="arabicPeriod"/>
             </a:pPr>
-            <a:endParaRPr lang="en-US" dirty="0"/>
+            <a:r>
+              <a:rPr lang="en-US" dirty="0"/>
+              <a:t>No positive results when re-looking into cell type abundances or TCR feature differences among different cell types, chains in baseline pre-ICB PBMC dataset (data not shown)</a:t>
+            </a:r>
+          </a:p>
+          <a:p>
+            <a:pPr marL="514350" indent="-514350">
+              <a:buFont typeface="+mj-lt"/>
+              <a:buAutoNum type="arabicPeriod"/>
+            </a:pPr>
+            <a:r>
+              <a:rPr lang="en-US" dirty="0"/>
+              <a:t>Results across both colitis datasets</a:t>
+            </a:r>
+          </a:p>
+          <a:p>
+            <a:pPr marL="971550" lvl="1" indent="-514350">
+              <a:buFont typeface="+mj-lt"/>
+              <a:buAutoNum type="alphaLcParenR"/>
+            </a:pPr>
+            <a:r>
+              <a:rPr lang="en-US" dirty="0"/>
+              <a:t>Solid results</a:t>
+            </a:r>
+          </a:p>
+          <a:p>
+            <a:pPr marL="1428750" lvl="2" indent="-514350">
+              <a:buFont typeface="+mj-lt"/>
+              <a:buAutoNum type="romanLcPeriod"/>
+            </a:pPr>
+            <a:r>
+              <a:rPr lang="en-US" dirty="0"/>
+              <a:t>CD4 TEMs less abundant in colitis tissue</a:t>
+            </a:r>
+          </a:p>
+          <a:p>
+            <a:pPr marL="1428750" lvl="2" indent="-514350">
+              <a:buFont typeface="+mj-lt"/>
+              <a:buAutoNum type="romanLcPeriod"/>
+            </a:pPr>
+            <a:r>
+              <a:rPr lang="en-US" dirty="0"/>
+              <a:t>CD4 proliferating T cells more abundant in colitis tissue</a:t>
+            </a:r>
+          </a:p>
+          <a:p>
+            <a:pPr marL="971550" lvl="1" indent="-514350">
+              <a:buFont typeface="+mj-lt"/>
+              <a:buAutoNum type="alphaLcParenR"/>
+            </a:pPr>
+            <a:r>
+              <a:rPr lang="en-US" dirty="0"/>
+              <a:t>Less solid results</a:t>
+            </a:r>
+          </a:p>
+          <a:p>
+            <a:pPr marL="1428750" lvl="2" indent="-514350">
+              <a:buFont typeface="+mj-lt"/>
+              <a:buAutoNum type="romanLcPeriod"/>
+            </a:pPr>
+            <a:r>
+              <a:rPr lang="en-US" dirty="0"/>
+              <a:t>CD4 TCMs slightly more abundant in colitis tissue (this disagrees with </a:t>
+            </a:r>
+            <a:r>
+              <a:rPr lang="en-US" dirty="0" err="1"/>
+              <a:t>Luoma</a:t>
+            </a:r>
+            <a:r>
+              <a:rPr lang="en-US" dirty="0"/>
+              <a:t> (2020), </a:t>
+            </a:r>
+            <a:r>
+              <a:rPr lang="en-US" i="1" dirty="0"/>
+              <a:t>Cell </a:t>
+            </a:r>
+            <a:r>
+              <a:rPr lang="en-US" dirty="0"/>
+              <a:t>analysis)</a:t>
+            </a:r>
+          </a:p>
+          <a:p>
+            <a:pPr marL="1428750" lvl="2" indent="-514350">
+              <a:buFont typeface="+mj-lt"/>
+              <a:buAutoNum type="romanLcPeriod"/>
+            </a:pPr>
+            <a:r>
+              <a:rPr lang="en-US" dirty="0"/>
+              <a:t>Highly expanded CD8 </a:t>
+            </a:r>
+            <a:r>
+              <a:rPr lang="en-US" dirty="0" err="1"/>
+              <a:t>Trm</a:t>
+            </a:r>
+            <a:r>
+              <a:rPr lang="en-US" dirty="0"/>
+              <a:t> TRAs may be more germline-like in colitis tissue</a:t>
+            </a:r>
           </a:p>
         </p:txBody>
       </p:sp>
     </p:spTree>
     <p:extLst>
       <p:ext uri="{BB962C8B-B14F-4D97-AF65-F5344CB8AC3E}">
-        <p14:creationId xmlns:p14="http://schemas.microsoft.com/office/powerpoint/2010/main" val="3267213615"/>
+        <p14:creationId xmlns:p14="http://schemas.microsoft.com/office/powerpoint/2010/main" val="3841913290"/>
       </p:ext>
     </p:extLst>
   </p:cSld>
@@ -6940,7 +8800,7 @@
         <p:cNvPr id="1" name="">
           <a:extLst>
             <a:ext uri="{FF2B5EF4-FFF2-40B4-BE49-F238E27FC236}">
-              <a16:creationId xmlns:a16="http://schemas.microsoft.com/office/drawing/2014/main" id="{E0F14292-DD99-A9DF-44C1-EDBF74A65A40}"/>
+              <a16:creationId xmlns:a16="http://schemas.microsoft.com/office/drawing/2014/main" id="{5F63F271-7169-1115-1EF3-CE3BF477816E}"/>
             </a:ext>
           </a:extLst>
         </p:cNvPr>
@@ -6955,42 +8815,12 @@
           <a:chExt cx="0" cy="0"/>
         </a:xfrm>
       </p:grpSpPr>
-      <p:pic>
-        <p:nvPicPr>
-          <p:cNvPr id="15" name="Picture 14">
-            <a:extLst>
-              <a:ext uri="{FF2B5EF4-FFF2-40B4-BE49-F238E27FC236}">
-                <a16:creationId xmlns:a16="http://schemas.microsoft.com/office/drawing/2014/main" id="{C1F6F123-A5AF-4F23-47C9-A3FD15AC8EFF}"/>
-              </a:ext>
-            </a:extLst>
-          </p:cNvPr>
-          <p:cNvPicPr>
-            <a:picLocks noChangeAspect="1"/>
-          </p:cNvPicPr>
-          <p:nvPr/>
-        </p:nvPicPr>
-        <p:blipFill>
-          <a:blip r:embed="rId3"/>
-          <a:stretch>
-            <a:fillRect/>
-          </a:stretch>
-        </p:blipFill>
-        <p:spPr>
-          <a:xfrm>
-            <a:off x="6130904" y="2772633"/>
-            <a:ext cx="5993802" cy="3715456"/>
-          </a:xfrm>
-          <a:prstGeom prst="rect">
-            <a:avLst/>
-          </a:prstGeom>
-        </p:spPr>
-      </p:pic>
       <p:sp>
         <p:nvSpPr>
           <p:cNvPr id="2" name="Title 1">
             <a:extLst>
               <a:ext uri="{FF2B5EF4-FFF2-40B4-BE49-F238E27FC236}">
-                <a16:creationId xmlns:a16="http://schemas.microsoft.com/office/drawing/2014/main" id="{31DFD031-292A-A7C7-7247-67B95C775691}"/>
+                <a16:creationId xmlns:a16="http://schemas.microsoft.com/office/drawing/2014/main" id="{FA6F45DB-D64D-9355-7CD2-66B994D6E22E}"/>
               </a:ext>
             </a:extLst>
           </p:cNvPr>
@@ -7004,7 +8834,7 @@
         <p:spPr>
           <a:xfrm>
             <a:off x="838200" y="593725"/>
-            <a:ext cx="10515600" cy="1325563"/>
+            <a:ext cx="3561080" cy="1325563"/>
           </a:xfrm>
         </p:spPr>
         <p:txBody>
@@ -7015,566 +8845,90 @@
           <a:p>
             <a:r>
               <a:rPr lang="en-US" dirty="0"/>
-              <a:t>Old cell type abundance analysis</a:t>
-            </a:r>
-          </a:p>
-        </p:txBody>
-      </p:sp>
-      <p:sp>
-        <p:nvSpPr>
-          <p:cNvPr id="12" name="TextBox 11">
-            <a:extLst>
-              <a:ext uri="{FF2B5EF4-FFF2-40B4-BE49-F238E27FC236}">
-                <a16:creationId xmlns:a16="http://schemas.microsoft.com/office/drawing/2014/main" id="{11FF9590-465C-3BB2-95C2-B8FA92061E19}"/>
-              </a:ext>
-            </a:extLst>
-          </p:cNvPr>
-          <p:cNvSpPr txBox="1"/>
-          <p:nvPr/>
+              <a:t>Next steps</a:t>
+            </a:r>
+          </a:p>
+        </p:txBody>
+      </p:sp>
+      <p:sp>
+        <p:nvSpPr>
+          <p:cNvPr id="3" name="Content Placeholder 2">
+            <a:extLst>
+              <a:ext uri="{FF2B5EF4-FFF2-40B4-BE49-F238E27FC236}">
+                <a16:creationId xmlns:a16="http://schemas.microsoft.com/office/drawing/2014/main" id="{28955BE2-D76F-6F20-59F9-5AB74A7BB43C}"/>
+              </a:ext>
+            </a:extLst>
+          </p:cNvPr>
+          <p:cNvSpPr>
+            <a:spLocks noGrp="1"/>
+          </p:cNvSpPr>
+          <p:nvPr>
+            <p:ph idx="1"/>
+          </p:nvPr>
         </p:nvSpPr>
         <p:spPr>
           <a:xfrm>
-            <a:off x="4065351" y="6509491"/>
-            <a:ext cx="3868367" cy="369332"/>
-          </a:xfrm>
-          <a:prstGeom prst="rect">
-            <a:avLst/>
-          </a:prstGeom>
-          <a:noFill/>
-        </p:spPr>
-        <p:txBody>
-          <a:bodyPr wrap="none" rtlCol="0">
-            <a:spAutoFit/>
+            <a:off x="838201" y="1919289"/>
+            <a:ext cx="10092558" cy="4623402"/>
+          </a:xfrm>
+        </p:spPr>
+        <p:txBody>
+          <a:bodyPr>
+            <a:normAutofit/>
           </a:bodyPr>
           <a:lstStyle/>
           <a:p>
+            <a:pPr marL="514350" indent="-514350">
+              <a:buFont typeface="+mj-lt"/>
+              <a:buAutoNum type="arabicPeriod"/>
+            </a:pPr>
             <a:r>
               <a:rPr lang="en-US" dirty="0"/>
-              <a:t>Wilcoxon rank sum test.</a:t>
-            </a:r>
-            <a:r>
-              <a:rPr lang="en-US" dirty="0">
-                <a:latin typeface="Calibri" panose="020F0502020204030204" pitchFamily="34" charset="0"/>
-                <a:cs typeface="Times New Roman" panose="02020603050405020304" pitchFamily="18" charset="0"/>
-              </a:rPr>
-              <a:t> </a:t>
-            </a:r>
-            <a:r>
-              <a:rPr lang="en-US" sz="1800" dirty="0">
-                <a:effectLst/>
-                <a:latin typeface="Calibri" panose="020F0502020204030204" pitchFamily="34" charset="0"/>
-                <a:ea typeface="Calibri" panose="020F0502020204030204" pitchFamily="34" charset="0"/>
-                <a:cs typeface="Times New Roman" panose="02020603050405020304" pitchFamily="18" charset="0"/>
-              </a:rPr>
-              <a:t>**, </a:t>
-            </a:r>
-            <a:r>
-              <a:rPr lang="en-US" sz="1800" dirty="0" err="1">
-                <a:effectLst/>
-                <a:latin typeface="Calibri" panose="020F0502020204030204" pitchFamily="34" charset="0"/>
-                <a:ea typeface="Calibri" panose="020F0502020204030204" pitchFamily="34" charset="0"/>
-                <a:cs typeface="Times New Roman" panose="02020603050405020304" pitchFamily="18" charset="0"/>
-              </a:rPr>
-              <a:t>padj</a:t>
-            </a:r>
-            <a:r>
-              <a:rPr lang="en-US" sz="1800" dirty="0">
-                <a:effectLst/>
-                <a:latin typeface="Calibri" panose="020F0502020204030204" pitchFamily="34" charset="0"/>
-                <a:ea typeface="Calibri" panose="020F0502020204030204" pitchFamily="34" charset="0"/>
-                <a:cs typeface="Times New Roman" panose="02020603050405020304" pitchFamily="18" charset="0"/>
-              </a:rPr>
-              <a:t> &lt; 1e-2</a:t>
-            </a:r>
-            <a:endParaRPr lang="en-US" b="0" i="0" u="none" strike="noStrike" dirty="0">
-              <a:solidFill>
-                <a:srgbClr val="212121"/>
-              </a:solidFill>
-              <a:effectLst/>
-              <a:latin typeface="Cambria" panose="02040503050406030204" pitchFamily="18" charset="0"/>
-            </a:endParaRPr>
-          </a:p>
-        </p:txBody>
-      </p:sp>
-      <p:sp>
-        <p:nvSpPr>
-          <p:cNvPr id="17" name="TextBox 16">
-            <a:extLst>
-              <a:ext uri="{FF2B5EF4-FFF2-40B4-BE49-F238E27FC236}">
-                <a16:creationId xmlns:a16="http://schemas.microsoft.com/office/drawing/2014/main" id="{352C593B-52B4-968D-B4DE-2E71F1A33FFC}"/>
-              </a:ext>
-            </a:extLst>
-          </p:cNvPr>
-          <p:cNvSpPr txBox="1"/>
-          <p:nvPr/>
-        </p:nvSpPr>
-        <p:spPr>
-          <a:xfrm>
-            <a:off x="7488578" y="3396843"/>
-            <a:ext cx="787400" cy="369332"/>
-          </a:xfrm>
-          <a:prstGeom prst="rect">
-            <a:avLst/>
-          </a:prstGeom>
-          <a:noFill/>
-        </p:spPr>
-        <p:txBody>
-          <a:bodyPr wrap="square" rtlCol="0">
-            <a:spAutoFit/>
-          </a:bodyPr>
-          <a:lstStyle/>
-          <a:p>
+              <a:t>Instead of comparing TCR features within specific cell types, instead compare them within Seurat UMAP clusters?</a:t>
+            </a:r>
+          </a:p>
+          <a:p>
+            <a:pPr marL="514350" indent="-514350">
+              <a:buFont typeface="+mj-lt"/>
+              <a:buAutoNum type="arabicPeriod"/>
+            </a:pPr>
             <a:r>
               <a:rPr lang="en-US" dirty="0"/>
-              <a:t>**</a:t>
-            </a:r>
-          </a:p>
-        </p:txBody>
-      </p:sp>
-      <p:sp>
-        <p:nvSpPr>
-          <p:cNvPr id="3" name="TextBox 2">
-            <a:extLst>
-              <a:ext uri="{FF2B5EF4-FFF2-40B4-BE49-F238E27FC236}">
-                <a16:creationId xmlns:a16="http://schemas.microsoft.com/office/drawing/2014/main" id="{2225ECFA-D9A6-C55D-622D-3EC57CB08665}"/>
-              </a:ext>
-            </a:extLst>
-          </p:cNvPr>
-          <p:cNvSpPr txBox="1"/>
-          <p:nvPr/>
-        </p:nvSpPr>
-        <p:spPr>
-          <a:xfrm rot="16200000">
-            <a:off x="7397980" y="2797137"/>
-            <a:ext cx="599264" cy="369332"/>
-          </a:xfrm>
-          <a:prstGeom prst="rect">
-            <a:avLst/>
-          </a:prstGeom>
-          <a:noFill/>
-        </p:spPr>
-        <p:txBody>
-          <a:bodyPr wrap="square" rtlCol="0">
-            <a:spAutoFit/>
-          </a:bodyPr>
-          <a:lstStyle/>
-          <a:p>
-            <a:r>
-              <a:rPr lang="en-US" dirty="0">
-                <a:solidFill>
-                  <a:srgbClr val="00B050"/>
-                </a:solidFill>
-                <a:sym typeface="Wingdings" pitchFamily="2" charset="2"/>
-              </a:rPr>
-              <a:t></a:t>
-            </a:r>
-            <a:endParaRPr lang="en-US" dirty="0">
-              <a:solidFill>
-                <a:srgbClr val="00B050"/>
-              </a:solidFill>
-            </a:endParaRPr>
-          </a:p>
-        </p:txBody>
-      </p:sp>
-      <p:sp>
-        <p:nvSpPr>
-          <p:cNvPr id="4" name="TextBox 3">
-            <a:extLst>
-              <a:ext uri="{FF2B5EF4-FFF2-40B4-BE49-F238E27FC236}">
-                <a16:creationId xmlns:a16="http://schemas.microsoft.com/office/drawing/2014/main" id="{84518640-5757-5DDA-8887-DB0E361D4713}"/>
-              </a:ext>
-            </a:extLst>
-          </p:cNvPr>
-          <p:cNvSpPr txBox="1"/>
-          <p:nvPr/>
-        </p:nvSpPr>
-        <p:spPr>
-          <a:xfrm rot="5400000">
-            <a:off x="8544687" y="3038476"/>
-            <a:ext cx="599268" cy="369332"/>
-          </a:xfrm>
-          <a:prstGeom prst="rect">
-            <a:avLst/>
-          </a:prstGeom>
-          <a:noFill/>
-        </p:spPr>
-        <p:txBody>
-          <a:bodyPr wrap="square" rtlCol="0">
-            <a:spAutoFit/>
-          </a:bodyPr>
-          <a:lstStyle/>
-          <a:p>
-            <a:r>
-              <a:rPr lang="en-US" dirty="0">
-                <a:solidFill>
-                  <a:srgbClr val="FF0000"/>
-                </a:solidFill>
-                <a:sym typeface="Wingdings" pitchFamily="2" charset="2"/>
-              </a:rPr>
-              <a:t></a:t>
-            </a:r>
-            <a:endParaRPr lang="en-US" dirty="0">
-              <a:solidFill>
-                <a:srgbClr val="FF0000"/>
-              </a:solidFill>
-            </a:endParaRPr>
-          </a:p>
-        </p:txBody>
-      </p:sp>
-      <p:sp>
-        <p:nvSpPr>
-          <p:cNvPr id="5" name="TextBox 4">
-            <a:extLst>
-              <a:ext uri="{FF2B5EF4-FFF2-40B4-BE49-F238E27FC236}">
-                <a16:creationId xmlns:a16="http://schemas.microsoft.com/office/drawing/2014/main" id="{C78D2593-25BA-0BFD-ECFC-F9D3988B710A}"/>
-              </a:ext>
-            </a:extLst>
-          </p:cNvPr>
-          <p:cNvSpPr txBox="1"/>
-          <p:nvPr/>
-        </p:nvSpPr>
-        <p:spPr>
-          <a:xfrm rot="16200000">
-            <a:off x="9278819" y="2832759"/>
-            <a:ext cx="599264" cy="369332"/>
-          </a:xfrm>
-          <a:prstGeom prst="rect">
-            <a:avLst/>
-          </a:prstGeom>
-          <a:noFill/>
-        </p:spPr>
-        <p:txBody>
-          <a:bodyPr wrap="square" rtlCol="0">
-            <a:spAutoFit/>
-          </a:bodyPr>
-          <a:lstStyle/>
-          <a:p>
-            <a:r>
-              <a:rPr lang="en-US" dirty="0">
-                <a:solidFill>
-                  <a:srgbClr val="00B050"/>
-                </a:solidFill>
-                <a:sym typeface="Wingdings" pitchFamily="2" charset="2"/>
-              </a:rPr>
-              <a:t></a:t>
-            </a:r>
-            <a:endParaRPr lang="en-US" dirty="0">
-              <a:solidFill>
-                <a:srgbClr val="00B050"/>
-              </a:solidFill>
-            </a:endParaRPr>
-          </a:p>
-        </p:txBody>
-      </p:sp>
-      <p:sp>
-        <p:nvSpPr>
-          <p:cNvPr id="8" name="TextBox 7">
-            <a:extLst>
-              <a:ext uri="{FF2B5EF4-FFF2-40B4-BE49-F238E27FC236}">
-                <a16:creationId xmlns:a16="http://schemas.microsoft.com/office/drawing/2014/main" id="{6E828A1E-243A-8A19-1E50-9AE0C05DC209}"/>
-              </a:ext>
-            </a:extLst>
-          </p:cNvPr>
-          <p:cNvSpPr txBox="1"/>
-          <p:nvPr/>
-        </p:nvSpPr>
-        <p:spPr>
-          <a:xfrm rot="5400000">
-            <a:off x="10459233" y="3038476"/>
-            <a:ext cx="599268" cy="369332"/>
-          </a:xfrm>
-          <a:prstGeom prst="rect">
-            <a:avLst/>
-          </a:prstGeom>
-          <a:noFill/>
-        </p:spPr>
-        <p:txBody>
-          <a:bodyPr wrap="square" rtlCol="0">
-            <a:spAutoFit/>
-          </a:bodyPr>
-          <a:lstStyle/>
-          <a:p>
-            <a:r>
-              <a:rPr lang="en-US" dirty="0">
-                <a:solidFill>
-                  <a:srgbClr val="FF0000"/>
-                </a:solidFill>
-                <a:sym typeface="Wingdings" pitchFamily="2" charset="2"/>
-              </a:rPr>
-              <a:t></a:t>
-            </a:r>
-            <a:endParaRPr lang="en-US" dirty="0">
-              <a:solidFill>
-                <a:srgbClr val="FF0000"/>
-              </a:solidFill>
-            </a:endParaRPr>
-          </a:p>
-        </p:txBody>
-      </p:sp>
-      <p:sp>
-        <p:nvSpPr>
-          <p:cNvPr id="9" name="TextBox 8">
-            <a:extLst>
-              <a:ext uri="{FF2B5EF4-FFF2-40B4-BE49-F238E27FC236}">
-                <a16:creationId xmlns:a16="http://schemas.microsoft.com/office/drawing/2014/main" id="{5BC088F3-6D0A-E382-C6D6-3E637CCB940D}"/>
-              </a:ext>
-            </a:extLst>
-          </p:cNvPr>
-          <p:cNvSpPr txBox="1"/>
-          <p:nvPr/>
-        </p:nvSpPr>
-        <p:spPr>
-          <a:xfrm rot="16200000">
-            <a:off x="8836046" y="1528906"/>
-            <a:ext cx="599264" cy="369332"/>
-          </a:xfrm>
-          <a:prstGeom prst="rect">
-            <a:avLst/>
-          </a:prstGeom>
-          <a:noFill/>
-        </p:spPr>
-        <p:txBody>
-          <a:bodyPr wrap="square" rtlCol="0">
-            <a:spAutoFit/>
-          </a:bodyPr>
-          <a:lstStyle/>
-          <a:p>
-            <a:r>
-              <a:rPr lang="en-US" dirty="0">
-                <a:solidFill>
-                  <a:srgbClr val="00B050"/>
-                </a:solidFill>
-                <a:sym typeface="Wingdings" pitchFamily="2" charset="2"/>
-              </a:rPr>
-              <a:t></a:t>
-            </a:r>
-            <a:endParaRPr lang="en-US" dirty="0">
-              <a:solidFill>
-                <a:srgbClr val="00B050"/>
-              </a:solidFill>
-            </a:endParaRPr>
-          </a:p>
-        </p:txBody>
-      </p:sp>
-      <p:sp>
-        <p:nvSpPr>
-          <p:cNvPr id="11" name="TextBox 10">
-            <a:extLst>
-              <a:ext uri="{FF2B5EF4-FFF2-40B4-BE49-F238E27FC236}">
-                <a16:creationId xmlns:a16="http://schemas.microsoft.com/office/drawing/2014/main" id="{A89A1090-8AC4-97BF-21E8-295AD32DC030}"/>
-              </a:ext>
-            </a:extLst>
-          </p:cNvPr>
-          <p:cNvSpPr txBox="1"/>
-          <p:nvPr/>
-        </p:nvSpPr>
-        <p:spPr>
-          <a:xfrm rot="5400000">
-            <a:off x="8836044" y="2067310"/>
-            <a:ext cx="599268" cy="369332"/>
-          </a:xfrm>
-          <a:prstGeom prst="rect">
-            <a:avLst/>
-          </a:prstGeom>
-          <a:noFill/>
-        </p:spPr>
-        <p:txBody>
-          <a:bodyPr wrap="square" rtlCol="0">
-            <a:spAutoFit/>
-          </a:bodyPr>
-          <a:lstStyle/>
-          <a:p>
-            <a:r>
-              <a:rPr lang="en-US" dirty="0">
-                <a:solidFill>
-                  <a:srgbClr val="FF0000"/>
-                </a:solidFill>
-                <a:sym typeface="Wingdings" pitchFamily="2" charset="2"/>
-              </a:rPr>
-              <a:t></a:t>
-            </a:r>
-            <a:endParaRPr lang="en-US" dirty="0">
-              <a:solidFill>
-                <a:srgbClr val="FF0000"/>
-              </a:solidFill>
-            </a:endParaRPr>
-          </a:p>
-        </p:txBody>
-      </p:sp>
-      <p:sp>
-        <p:nvSpPr>
-          <p:cNvPr id="13" name="TextBox 12">
-            <a:extLst>
-              <a:ext uri="{FF2B5EF4-FFF2-40B4-BE49-F238E27FC236}">
-                <a16:creationId xmlns:a16="http://schemas.microsoft.com/office/drawing/2014/main" id="{D004E798-324A-8390-390A-0C66AC138122}"/>
-              </a:ext>
-            </a:extLst>
-          </p:cNvPr>
-          <p:cNvSpPr txBox="1"/>
-          <p:nvPr/>
-        </p:nvSpPr>
-        <p:spPr>
-          <a:xfrm>
-            <a:off x="9166280" y="1620817"/>
-            <a:ext cx="2507083" cy="369332"/>
-          </a:xfrm>
-          <a:prstGeom prst="rect">
-            <a:avLst/>
-          </a:prstGeom>
-          <a:noFill/>
-        </p:spPr>
-        <p:txBody>
-          <a:bodyPr wrap="square" rtlCol="0">
-            <a:spAutoFit/>
-          </a:bodyPr>
-          <a:lstStyle/>
-          <a:p>
+              <a:t>New datasets for cell type abundance comparisons? Would need non-PBMC data to hope to see </a:t>
+            </a:r>
+            <a:r>
+              <a:rPr lang="en-US" dirty="0" err="1"/>
+              <a:t>Trm</a:t>
+            </a:r>
             <a:r>
               <a:rPr lang="en-US" dirty="0"/>
-              <a:t>: up in their analysis</a:t>
-            </a:r>
-          </a:p>
-        </p:txBody>
-      </p:sp>
-      <p:sp>
-        <p:nvSpPr>
-          <p:cNvPr id="14" name="TextBox 13">
-            <a:extLst>
-              <a:ext uri="{FF2B5EF4-FFF2-40B4-BE49-F238E27FC236}">
-                <a16:creationId xmlns:a16="http://schemas.microsoft.com/office/drawing/2014/main" id="{CF008D7C-1D66-0E75-7294-B48BE3A3725C}"/>
-              </a:ext>
-            </a:extLst>
-          </p:cNvPr>
-          <p:cNvSpPr txBox="1"/>
-          <p:nvPr/>
-        </p:nvSpPr>
-        <p:spPr>
-          <a:xfrm>
-            <a:off x="9177431" y="1973516"/>
-            <a:ext cx="2507083" cy="369332"/>
-          </a:xfrm>
-          <a:prstGeom prst="rect">
-            <a:avLst/>
-          </a:prstGeom>
-          <a:noFill/>
-        </p:spPr>
-        <p:txBody>
-          <a:bodyPr wrap="square" rtlCol="0">
-            <a:spAutoFit/>
-          </a:bodyPr>
-          <a:lstStyle/>
-          <a:p>
+              <a:t> result again…</a:t>
+            </a:r>
+          </a:p>
+          <a:p>
+            <a:pPr marL="971550" lvl="1" indent="-514350">
+              <a:buFont typeface="+mj-lt"/>
+              <a:buAutoNum type="alphaLcPeriod"/>
+            </a:pPr>
             <a:r>
               <a:rPr lang="en-US" dirty="0"/>
-              <a:t>: down in their analysis</a:t>
-            </a:r>
-          </a:p>
-        </p:txBody>
-      </p:sp>
-      <p:sp>
-        <p:nvSpPr>
-          <p:cNvPr id="18" name="TextBox 17">
-            <a:extLst>
-              <a:ext uri="{FF2B5EF4-FFF2-40B4-BE49-F238E27FC236}">
-                <a16:creationId xmlns:a16="http://schemas.microsoft.com/office/drawing/2014/main" id="{663E0D6D-EAC4-0895-568A-EC9CD943E6EE}"/>
-              </a:ext>
-            </a:extLst>
-          </p:cNvPr>
-          <p:cNvSpPr txBox="1"/>
-          <p:nvPr/>
-        </p:nvSpPr>
-        <p:spPr>
-          <a:xfrm>
-            <a:off x="451624" y="2342634"/>
-            <a:ext cx="6099716" cy="369332"/>
-          </a:xfrm>
-          <a:prstGeom prst="rect">
-            <a:avLst/>
-          </a:prstGeom>
-          <a:noFill/>
-        </p:spPr>
-        <p:txBody>
-          <a:bodyPr wrap="square">
-            <a:spAutoFit/>
-          </a:bodyPr>
-          <a:lstStyle/>
-          <a:p>
+              <a:t>Best lead so far is a skin biopsy dataset (TCR and RNA, but issue is low n just 2-3 per </a:t>
+            </a:r>
+            <a:r>
+              <a:rPr lang="en-US" dirty="0" err="1"/>
+              <a:t>irAE</a:t>
+            </a:r>
             <a:r>
               <a:rPr lang="en-US" dirty="0"/>
-              <a:t>PBMC myocarditis-focused dataset (mostly PD-1 blockade)</a:t>
-            </a:r>
-          </a:p>
-        </p:txBody>
-      </p:sp>
-      <p:sp>
-        <p:nvSpPr>
-          <p:cNvPr id="19" name="TextBox 18">
-            <a:extLst>
-              <a:ext uri="{FF2B5EF4-FFF2-40B4-BE49-F238E27FC236}">
-                <a16:creationId xmlns:a16="http://schemas.microsoft.com/office/drawing/2014/main" id="{26BC5934-D365-EF72-4B74-EDD803F3E5FE}"/>
-              </a:ext>
-            </a:extLst>
-          </p:cNvPr>
-          <p:cNvSpPr txBox="1"/>
-          <p:nvPr/>
-        </p:nvSpPr>
-        <p:spPr>
-          <a:xfrm>
-            <a:off x="6551340" y="2342634"/>
-            <a:ext cx="6099716" cy="369332"/>
-          </a:xfrm>
-          <a:prstGeom prst="rect">
-            <a:avLst/>
-          </a:prstGeom>
-          <a:noFill/>
-        </p:spPr>
-        <p:txBody>
-          <a:bodyPr wrap="square">
-            <a:spAutoFit/>
-          </a:bodyPr>
-          <a:lstStyle/>
-          <a:p>
-            <a:r>
-              <a:rPr lang="en-US" dirty="0"/>
-              <a:t>Colon tissue colitis dataset (CTLA-4/combo blockade)</a:t>
-            </a:r>
-          </a:p>
-        </p:txBody>
-      </p:sp>
-      <p:pic>
-        <p:nvPicPr>
-          <p:cNvPr id="16" name="Picture 15">
-            <a:extLst>
-              <a:ext uri="{FF2B5EF4-FFF2-40B4-BE49-F238E27FC236}">
-                <a16:creationId xmlns:a16="http://schemas.microsoft.com/office/drawing/2014/main" id="{20C4D9FC-B91E-6109-C13D-33216DCBD879}"/>
-              </a:ext>
-            </a:extLst>
-          </p:cNvPr>
-          <p:cNvPicPr>
-            <a:picLocks noChangeAspect="1"/>
-          </p:cNvPicPr>
-          <p:nvPr/>
-        </p:nvPicPr>
-        <p:blipFill>
-          <a:blip r:embed="rId4"/>
-          <a:stretch>
-            <a:fillRect/>
-          </a:stretch>
-        </p:blipFill>
-        <p:spPr>
-          <a:xfrm>
-            <a:off x="26276" y="2780566"/>
-            <a:ext cx="5834830" cy="3661567"/>
-          </a:xfrm>
-          <a:prstGeom prst="rect">
-            <a:avLst/>
-          </a:prstGeom>
-        </p:spPr>
-      </p:pic>
+              <a:t> group…)</a:t>
+            </a:r>
+          </a:p>
+        </p:txBody>
+      </p:sp>
     </p:spTree>
     <p:extLst>
       <p:ext uri="{BB962C8B-B14F-4D97-AF65-F5344CB8AC3E}">
-        <p14:creationId xmlns:p14="http://schemas.microsoft.com/office/powerpoint/2010/main" val="3402864746"/>
+        <p14:creationId xmlns:p14="http://schemas.microsoft.com/office/powerpoint/2010/main" val="3267213615"/>
       </p:ext>
     </p:extLst>
   </p:cSld>

--- a/presentations/weekly_meetings/2_29_24.pptx
+++ b/presentations/weekly_meetings/2_29_24.pptx
@@ -218,7 +218,7 @@
           <a:p>
             <a:fld id="{E933A773-0DCE-3544-BB67-D5FA58DF903C}" type="datetimeFigureOut">
               <a:rPr lang="en-US" smtClean="0"/>
-              <a:t>2/28/24</a:t>
+              <a:t>2/29/24</a:t>
             </a:fld>
             <a:endParaRPr lang="en-US"/>
           </a:p>
@@ -1876,10 +1876,6 @@
           <a:bodyPr/>
           <a:lstStyle/>
           <a:p>
-            <a:r>
-              <a:rPr lang="en-US" dirty="0"/>
-              <a:t>Clusters may be too small…</a:t>
-            </a:r>
             <a:endParaRPr lang="en-US" b="0" dirty="0">
               <a:solidFill>
                 <a:srgbClr val="CCCCCC"/>
@@ -2079,7 +2075,7 @@
           <a:p>
             <a:fld id="{80FC6068-BAFB-FC44-B9D8-F4B3BB105DE6}" type="datetimeFigureOut">
               <a:rPr lang="en-US" smtClean="0"/>
-              <a:t>2/28/24</a:t>
+              <a:t>2/29/24</a:t>
             </a:fld>
             <a:endParaRPr lang="en-US"/>
           </a:p>
@@ -2277,7 +2273,7 @@
           <a:p>
             <a:fld id="{80FC6068-BAFB-FC44-B9D8-F4B3BB105DE6}" type="datetimeFigureOut">
               <a:rPr lang="en-US" smtClean="0"/>
-              <a:t>2/28/24</a:t>
+              <a:t>2/29/24</a:t>
             </a:fld>
             <a:endParaRPr lang="en-US"/>
           </a:p>
@@ -2485,7 +2481,7 @@
           <a:p>
             <a:fld id="{80FC6068-BAFB-FC44-B9D8-F4B3BB105DE6}" type="datetimeFigureOut">
               <a:rPr lang="en-US" smtClean="0"/>
-              <a:t>2/28/24</a:t>
+              <a:t>2/29/24</a:t>
             </a:fld>
             <a:endParaRPr lang="en-US"/>
           </a:p>
@@ -2689,7 +2685,7 @@
           <a:p>
             <a:fld id="{80FC6068-BAFB-FC44-B9D8-F4B3BB105DE6}" type="datetimeFigureOut">
               <a:rPr lang="en-US" smtClean="0"/>
-              <a:t>2/28/24</a:t>
+              <a:t>2/29/24</a:t>
             </a:fld>
             <a:endParaRPr lang="en-US"/>
           </a:p>
@@ -2980,7 +2976,7 @@
           <a:p>
             <a:fld id="{80FC6068-BAFB-FC44-B9D8-F4B3BB105DE6}" type="datetimeFigureOut">
               <a:rPr lang="en-US" smtClean="0"/>
-              <a:t>2/28/24</a:t>
+              <a:t>2/29/24</a:t>
             </a:fld>
             <a:endParaRPr lang="en-US"/>
           </a:p>
@@ -3245,7 +3241,7 @@
           <a:p>
             <a:fld id="{80FC6068-BAFB-FC44-B9D8-F4B3BB105DE6}" type="datetimeFigureOut">
               <a:rPr lang="en-US" smtClean="0"/>
-              <a:t>2/28/24</a:t>
+              <a:t>2/29/24</a:t>
             </a:fld>
             <a:endParaRPr lang="en-US"/>
           </a:p>
@@ -3657,7 +3653,7 @@
           <a:p>
             <a:fld id="{80FC6068-BAFB-FC44-B9D8-F4B3BB105DE6}" type="datetimeFigureOut">
               <a:rPr lang="en-US" smtClean="0"/>
-              <a:t>2/28/24</a:t>
+              <a:t>2/29/24</a:t>
             </a:fld>
             <a:endParaRPr lang="en-US"/>
           </a:p>
@@ -3798,7 +3794,7 @@
           <a:p>
             <a:fld id="{80FC6068-BAFB-FC44-B9D8-F4B3BB105DE6}" type="datetimeFigureOut">
               <a:rPr lang="en-US" smtClean="0"/>
-              <a:t>2/28/24</a:t>
+              <a:t>2/29/24</a:t>
             </a:fld>
             <a:endParaRPr lang="en-US"/>
           </a:p>
@@ -3911,7 +3907,7 @@
           <a:p>
             <a:fld id="{80FC6068-BAFB-FC44-B9D8-F4B3BB105DE6}" type="datetimeFigureOut">
               <a:rPr lang="en-US" smtClean="0"/>
-              <a:t>2/28/24</a:t>
+              <a:t>2/29/24</a:t>
             </a:fld>
             <a:endParaRPr lang="en-US"/>
           </a:p>
@@ -4222,7 +4218,7 @@
           <a:p>
             <a:fld id="{80FC6068-BAFB-FC44-B9D8-F4B3BB105DE6}" type="datetimeFigureOut">
               <a:rPr lang="en-US" smtClean="0"/>
-              <a:t>2/28/24</a:t>
+              <a:t>2/29/24</a:t>
             </a:fld>
             <a:endParaRPr lang="en-US"/>
           </a:p>
@@ -4510,7 +4506,7 @@
           <a:p>
             <a:fld id="{80FC6068-BAFB-FC44-B9D8-F4B3BB105DE6}" type="datetimeFigureOut">
               <a:rPr lang="en-US" smtClean="0"/>
-              <a:t>2/28/24</a:t>
+              <a:t>2/29/24</a:t>
             </a:fld>
             <a:endParaRPr lang="en-US"/>
           </a:p>
@@ -4751,7 +4747,7 @@
           <a:p>
             <a:fld id="{80FC6068-BAFB-FC44-B9D8-F4B3BB105DE6}" type="datetimeFigureOut">
               <a:rPr lang="en-US" smtClean="0"/>
-              <a:t>2/28/24</a:t>
+              <a:t>2/29/24</a:t>
             </a:fld>
             <a:endParaRPr lang="en-US"/>
           </a:p>
@@ -8670,7 +8666,7 @@
         </p:spPr>
         <p:txBody>
           <a:bodyPr>
-            <a:normAutofit/>
+            <a:normAutofit fontScale="92500" lnSpcReduction="10000"/>
           </a:bodyPr>
           <a:lstStyle/>
           <a:p>
@@ -8681,6 +8677,40 @@
             <a:r>
               <a:rPr lang="en-US" dirty="0"/>
               <a:t>No positive results when re-looking into cell type abundances or TCR feature differences among different cell types, chains in baseline pre-ICB PBMC dataset (data not shown)</a:t>
+            </a:r>
+          </a:p>
+          <a:p>
+            <a:pPr marL="514350" indent="-514350">
+              <a:buFont typeface="+mj-lt"/>
+              <a:buAutoNum type="arabicPeriod"/>
+            </a:pPr>
+            <a:r>
+              <a:rPr lang="en-US" dirty="0"/>
+              <a:t>In </a:t>
+            </a:r>
+            <a:r>
+              <a:rPr lang="en-US" dirty="0" err="1"/>
+              <a:t>Luoma</a:t>
+            </a:r>
+            <a:r>
+              <a:rPr lang="en-US" dirty="0"/>
+              <a:t> (2020), </a:t>
+            </a:r>
+            <a:r>
+              <a:rPr lang="en-US" i="1" dirty="0"/>
+              <a:t>Cell</a:t>
+            </a:r>
+            <a:r>
+              <a:rPr lang="en-US" dirty="0"/>
+              <a:t> dataset, no differences in TCR features between </a:t>
+            </a:r>
+            <a:r>
+              <a:rPr lang="en-US" dirty="0" err="1"/>
+              <a:t>irAE</a:t>
+            </a:r>
+            <a:r>
+              <a:rPr lang="en-US" dirty="0"/>
+              <a:t> groups in different clusters (data not shown)</a:t>
             </a:r>
           </a:p>
           <a:p>
@@ -8869,7 +8899,7 @@
         <p:spPr>
           <a:xfrm>
             <a:off x="838201" y="1919289"/>
-            <a:ext cx="10092558" cy="4623402"/>
+            <a:ext cx="9798268" cy="4623402"/>
           </a:xfrm>
         </p:spPr>
         <p:txBody>
@@ -8877,16 +8907,6 @@
             <a:normAutofit/>
           </a:bodyPr>
           <a:lstStyle/>
-          <a:p>
-            <a:pPr marL="514350" indent="-514350">
-              <a:buFont typeface="+mj-lt"/>
-              <a:buAutoNum type="arabicPeriod"/>
-            </a:pPr>
-            <a:r>
-              <a:rPr lang="en-US" dirty="0"/>
-              <a:t>Instead of comparing TCR features within specific cell types, instead compare them within Seurat UMAP clusters?</a:t>
-            </a:r>
-          </a:p>
           <a:p>
             <a:pPr marL="514350" indent="-514350">
               <a:buFont typeface="+mj-lt"/>
